--- a/高さ制約に関する比較.pptx
+++ b/高さ制約に関する比較.pptx
@@ -5,10 +5,10 @@
     <p:sldMasterId id="2147483675" r:id="rId1"/>
   </p:sldMasterIdLst>
   <p:notesMasterIdLst>
-    <p:notesMasterId r:id="rId8"/>
+    <p:notesMasterId r:id="rId11"/>
   </p:notesMasterIdLst>
   <p:handoutMasterIdLst>
-    <p:handoutMasterId r:id="rId9"/>
+    <p:handoutMasterId r:id="rId12"/>
   </p:handoutMasterIdLst>
   <p:sldIdLst>
     <p:sldId id="286" r:id="rId2"/>
@@ -16,7 +16,10 @@
     <p:sldId id="556" r:id="rId4"/>
     <p:sldId id="557" r:id="rId5"/>
     <p:sldId id="558" r:id="rId6"/>
-    <p:sldId id="554" r:id="rId7"/>
+    <p:sldId id="560" r:id="rId7"/>
+    <p:sldId id="559" r:id="rId8"/>
+    <p:sldId id="561" r:id="rId9"/>
+    <p:sldId id="554" r:id="rId10"/>
   </p:sldIdLst>
   <p:sldSz cx="12192000" cy="6858000"/>
   <p:notesSz cx="9144000" cy="6858000"/>
@@ -229,7 +232,7 @@
           <a:p>
             <a:fld id="{52FBD56B-6EF8-C343-87F2-73A38378D77B}" type="datetimeFigureOut">
               <a:rPr kumimoji="1" lang="ja-JP" altLang="en-US" smtClean="0"/>
-              <a:t>2021/3/2</a:t>
+              <a:t>2021/3/5</a:t>
             </a:fld>
             <a:endParaRPr kumimoji="1" lang="ja-JP" altLang="en-US"/>
           </a:p>
@@ -406,7 +409,7 @@
           <a:p>
             <a:fld id="{AA6358A0-4278-0944-B5E6-8965AA51C9EA}" type="datetimeFigureOut">
               <a:rPr kumimoji="1" lang="ja-JP" altLang="en-US" smtClean="0"/>
-              <a:t>2021/3/2</a:t>
+              <a:t>2021/3/5</a:t>
             </a:fld>
             <a:endParaRPr kumimoji="1" lang="ja-JP" altLang="en-US"/>
           </a:p>
@@ -1121,6 +1124,174 @@
     </p:spTree>
     <p:extLst>
       <p:ext uri="{BB962C8B-B14F-4D97-AF65-F5344CB8AC3E}">
+        <p14:creationId xmlns:p14="http://schemas.microsoft.com/office/powerpoint/2010/main" val="354396932"/>
+      </p:ext>
+    </p:extLst>
+  </p:cSld>
+  <p:clrMapOvr>
+    <a:masterClrMapping/>
+  </p:clrMapOvr>
+</p:notes>
+</file>
+
+<file path=ppt/notesSlides/notesSlide6.xml><?xml version="1.0" encoding="utf-8"?>
+<p:notes xmlns:a="http://schemas.openxmlformats.org/drawingml/2006/main" xmlns:r="http://schemas.openxmlformats.org/officeDocument/2006/relationships" xmlns:p="http://schemas.openxmlformats.org/presentationml/2006/main">
+  <p:cSld>
+    <p:spTree>
+      <p:nvGrpSpPr>
+        <p:cNvPr id="1" name=""/>
+        <p:cNvGrpSpPr/>
+        <p:nvPr/>
+      </p:nvGrpSpPr>
+      <p:grpSpPr>
+        <a:xfrm>
+          <a:off x="0" y="0"/>
+          <a:ext cx="0" cy="0"/>
+          <a:chOff x="0" y="0"/>
+          <a:chExt cx="0" cy="0"/>
+        </a:xfrm>
+      </p:grpSpPr>
+      <p:sp>
+        <p:nvSpPr>
+          <p:cNvPr id="2" name="スライド イメージ プレースホルダー 1"/>
+          <p:cNvSpPr>
+            <a:spLocks noGrp="1" noRot="1" noChangeAspect="1"/>
+          </p:cNvSpPr>
+          <p:nvPr>
+            <p:ph type="sldImg"/>
+          </p:nvPr>
+        </p:nvSpPr>
+        <p:spPr/>
+      </p:sp>
+      <p:sp>
+        <p:nvSpPr>
+          <p:cNvPr id="3" name="ノート プレースホルダー 2"/>
+          <p:cNvSpPr>
+            <a:spLocks noGrp="1"/>
+          </p:cNvSpPr>
+          <p:nvPr>
+            <p:ph type="body" idx="1"/>
+          </p:nvPr>
+        </p:nvSpPr>
+        <p:spPr/>
+        <p:txBody>
+          <a:bodyPr/>
+          <a:lstStyle/>
+          <a:p>
+            <a:endParaRPr kumimoji="1" lang="ja-JP" altLang="en-US"/>
+          </a:p>
+        </p:txBody>
+      </p:sp>
+      <p:sp>
+        <p:nvSpPr>
+          <p:cNvPr id="4" name="スライド番号プレースホルダー 3"/>
+          <p:cNvSpPr>
+            <a:spLocks noGrp="1"/>
+          </p:cNvSpPr>
+          <p:nvPr>
+            <p:ph type="sldNum" sz="quarter" idx="5"/>
+          </p:nvPr>
+        </p:nvSpPr>
+        <p:spPr/>
+        <p:txBody>
+          <a:bodyPr/>
+          <a:lstStyle/>
+          <a:p>
+            <a:fld id="{D276C47D-AC79-8045-9601-1DBEB6558636}" type="slidenum">
+              <a:rPr kumimoji="1" lang="ja-JP" altLang="en-US" smtClean="0"/>
+              <a:t>8</a:t>
+            </a:fld>
+            <a:endParaRPr kumimoji="1" lang="ja-JP" altLang="en-US"/>
+          </a:p>
+        </p:txBody>
+      </p:sp>
+    </p:spTree>
+    <p:extLst>
+      <p:ext uri="{BB962C8B-B14F-4D97-AF65-F5344CB8AC3E}">
+        <p14:creationId xmlns:p14="http://schemas.microsoft.com/office/powerpoint/2010/main" val="301544662"/>
+      </p:ext>
+    </p:extLst>
+  </p:cSld>
+  <p:clrMapOvr>
+    <a:masterClrMapping/>
+  </p:clrMapOvr>
+</p:notes>
+</file>
+
+<file path=ppt/notesSlides/notesSlide7.xml><?xml version="1.0" encoding="utf-8"?>
+<p:notes xmlns:a="http://schemas.openxmlformats.org/drawingml/2006/main" xmlns:r="http://schemas.openxmlformats.org/officeDocument/2006/relationships" xmlns:p="http://schemas.openxmlformats.org/presentationml/2006/main">
+  <p:cSld>
+    <p:spTree>
+      <p:nvGrpSpPr>
+        <p:cNvPr id="1" name=""/>
+        <p:cNvGrpSpPr/>
+        <p:nvPr/>
+      </p:nvGrpSpPr>
+      <p:grpSpPr>
+        <a:xfrm>
+          <a:off x="0" y="0"/>
+          <a:ext cx="0" cy="0"/>
+          <a:chOff x="0" y="0"/>
+          <a:chExt cx="0" cy="0"/>
+        </a:xfrm>
+      </p:grpSpPr>
+      <p:sp>
+        <p:nvSpPr>
+          <p:cNvPr id="2" name="スライド イメージ プレースホルダー 1"/>
+          <p:cNvSpPr>
+            <a:spLocks noGrp="1" noRot="1" noChangeAspect="1"/>
+          </p:cNvSpPr>
+          <p:nvPr>
+            <p:ph type="sldImg"/>
+          </p:nvPr>
+        </p:nvSpPr>
+        <p:spPr/>
+      </p:sp>
+      <p:sp>
+        <p:nvSpPr>
+          <p:cNvPr id="3" name="ノート プレースホルダー 2"/>
+          <p:cNvSpPr>
+            <a:spLocks noGrp="1"/>
+          </p:cNvSpPr>
+          <p:nvPr>
+            <p:ph type="body" idx="1"/>
+          </p:nvPr>
+        </p:nvSpPr>
+        <p:spPr/>
+        <p:txBody>
+          <a:bodyPr/>
+          <a:lstStyle/>
+          <a:p>
+            <a:endParaRPr kumimoji="1" lang="ja-JP" altLang="en-US"/>
+          </a:p>
+        </p:txBody>
+      </p:sp>
+      <p:sp>
+        <p:nvSpPr>
+          <p:cNvPr id="4" name="スライド番号プレースホルダー 3"/>
+          <p:cNvSpPr>
+            <a:spLocks noGrp="1"/>
+          </p:cNvSpPr>
+          <p:nvPr>
+            <p:ph type="sldNum" sz="quarter" idx="5"/>
+          </p:nvPr>
+        </p:nvSpPr>
+        <p:spPr/>
+        <p:txBody>
+          <a:bodyPr/>
+          <a:lstStyle/>
+          <a:p>
+            <a:fld id="{D276C47D-AC79-8045-9601-1DBEB6558636}" type="slidenum">
+              <a:rPr kumimoji="1" lang="ja-JP" altLang="en-US" smtClean="0"/>
+              <a:t>9</a:t>
+            </a:fld>
+            <a:endParaRPr kumimoji="1" lang="ja-JP" altLang="en-US"/>
+          </a:p>
+        </p:txBody>
+      </p:sp>
+    </p:spTree>
+    <p:extLst>
+      <p:ext uri="{BB962C8B-B14F-4D97-AF65-F5344CB8AC3E}">
         <p14:creationId xmlns:p14="http://schemas.microsoft.com/office/powerpoint/2010/main" val="4054388282"/>
       </p:ext>
     </p:extLst>
@@ -1278,7 +1449,7 @@
           <a:p>
             <a:fld id="{B6B3AC59-2A0A-5543-AC3C-3E34A18A7C20}" type="datetimeFigureOut">
               <a:rPr kumimoji="1" lang="ja-JP" altLang="en-US" smtClean="0"/>
-              <a:t>2021/3/2</a:t>
+              <a:t>2021/3/5</a:t>
             </a:fld>
             <a:endParaRPr kumimoji="1" lang="ja-JP" altLang="en-US"/>
           </a:p>
@@ -1483,7 +1654,7 @@
           <a:p>
             <a:fld id="{B6B3AC59-2A0A-5543-AC3C-3E34A18A7C20}" type="datetimeFigureOut">
               <a:rPr kumimoji="1" lang="ja-JP" altLang="en-US" smtClean="0"/>
-              <a:t>2021/3/2</a:t>
+              <a:t>2021/3/5</a:t>
             </a:fld>
             <a:endParaRPr kumimoji="1" lang="ja-JP" altLang="en-US"/>
           </a:p>
@@ -1698,7 +1869,7 @@
           <a:p>
             <a:fld id="{B6B3AC59-2A0A-5543-AC3C-3E34A18A7C20}" type="datetimeFigureOut">
               <a:rPr kumimoji="1" lang="ja-JP" altLang="en-US" smtClean="0"/>
-              <a:t>2021/3/2</a:t>
+              <a:t>2021/3/5</a:t>
             </a:fld>
             <a:endParaRPr kumimoji="1" lang="ja-JP" altLang="en-US"/>
           </a:p>
@@ -1903,7 +2074,7 @@
           <a:p>
             <a:fld id="{B6B3AC59-2A0A-5543-AC3C-3E34A18A7C20}" type="datetimeFigureOut">
               <a:rPr kumimoji="1" lang="ja-JP" altLang="en-US" smtClean="0"/>
-              <a:t>2021/3/2</a:t>
+              <a:t>2021/3/5</a:t>
             </a:fld>
             <a:endParaRPr kumimoji="1" lang="ja-JP" altLang="en-US"/>
           </a:p>
@@ -2213,7 +2384,7 @@
           <a:p>
             <a:fld id="{B6B3AC59-2A0A-5543-AC3C-3E34A18A7C20}" type="datetimeFigureOut">
               <a:rPr kumimoji="1" lang="ja-JP" altLang="en-US" smtClean="0"/>
-              <a:t>2021/3/2</a:t>
+              <a:t>2021/3/5</a:t>
             </a:fld>
             <a:endParaRPr kumimoji="1" lang="ja-JP" altLang="en-US"/>
           </a:p>
@@ -2492,7 +2663,7 @@
           <a:p>
             <a:fld id="{B6B3AC59-2A0A-5543-AC3C-3E34A18A7C20}" type="datetimeFigureOut">
               <a:rPr kumimoji="1" lang="ja-JP" altLang="en-US" smtClean="0"/>
-              <a:t>2021/3/2</a:t>
+              <a:t>2021/3/5</a:t>
             </a:fld>
             <a:endParaRPr kumimoji="1" lang="ja-JP" altLang="en-US"/>
           </a:p>
@@ -2988,7 +3159,7 @@
           <a:p>
             <a:fld id="{B6B3AC59-2A0A-5543-AC3C-3E34A18A7C20}" type="datetimeFigureOut">
               <a:rPr kumimoji="1" lang="ja-JP" altLang="en-US" smtClean="0"/>
-              <a:t>2021/3/2</a:t>
+              <a:t>2021/3/5</a:t>
             </a:fld>
             <a:endParaRPr kumimoji="1" lang="ja-JP" altLang="en-US"/>
           </a:p>
@@ -3129,7 +3300,7 @@
           <a:p>
             <a:fld id="{B6B3AC59-2A0A-5543-AC3C-3E34A18A7C20}" type="datetimeFigureOut">
               <a:rPr kumimoji="1" lang="ja-JP" altLang="en-US" smtClean="0"/>
-              <a:t>2021/3/2</a:t>
+              <a:t>2021/3/5</a:t>
             </a:fld>
             <a:endParaRPr kumimoji="1" lang="ja-JP" altLang="en-US"/>
           </a:p>
@@ -3242,7 +3413,7 @@
           <a:p>
             <a:fld id="{B6B3AC59-2A0A-5543-AC3C-3E34A18A7C20}" type="datetimeFigureOut">
               <a:rPr kumimoji="1" lang="ja-JP" altLang="en-US" smtClean="0"/>
-              <a:t>2021/3/2</a:t>
+              <a:t>2021/3/5</a:t>
             </a:fld>
             <a:endParaRPr kumimoji="1" lang="ja-JP" altLang="en-US"/>
           </a:p>
@@ -3595,7 +3766,7 @@
           <a:p>
             <a:fld id="{B6B3AC59-2A0A-5543-AC3C-3E34A18A7C20}" type="datetimeFigureOut">
               <a:rPr kumimoji="1" lang="ja-JP" altLang="en-US" smtClean="0"/>
-              <a:t>2021/3/2</a:t>
+              <a:t>2021/3/5</a:t>
             </a:fld>
             <a:endParaRPr kumimoji="1" lang="ja-JP" altLang="en-US"/>
           </a:p>
@@ -3918,7 +4089,7 @@
           <a:p>
             <a:fld id="{B6B3AC59-2A0A-5543-AC3C-3E34A18A7C20}" type="datetimeFigureOut">
               <a:rPr kumimoji="1" lang="ja-JP" altLang="en-US" smtClean="0"/>
-              <a:t>2021/3/2</a:t>
+              <a:t>2021/3/5</a:t>
             </a:fld>
             <a:endParaRPr kumimoji="1" lang="ja-JP" altLang="en-US"/>
           </a:p>
@@ -4166,7 +4337,7 @@
           <a:p>
             <a:fld id="{B6B3AC59-2A0A-5543-AC3C-3E34A18A7C20}" type="datetimeFigureOut">
               <a:rPr kumimoji="1" lang="ja-JP" altLang="en-US" smtClean="0"/>
-              <a:t>2021/3/2</a:t>
+              <a:t>2021/3/5</a:t>
             </a:fld>
             <a:endParaRPr kumimoji="1" lang="ja-JP" altLang="en-US"/>
           </a:p>
@@ -5904,7 +6075,21 @@
                 <a:latin typeface="MS Gothic" panose="020B0609070205080204" pitchFamily="49" charset="-128"/>
                 <a:ea typeface="MS Gothic" panose="020B0609070205080204" pitchFamily="49" charset="-128"/>
               </a:rPr>
-              <a:t>高さ制約あり</a:t>
+              <a:t>モデル</a:t>
+            </a:r>
+            <a:r>
+              <a:rPr kumimoji="1" lang="en-US" altLang="ja-JP" sz="3200" dirty="0">
+                <a:latin typeface="MS Gothic" panose="020B0609070205080204" pitchFamily="49" charset="-128"/>
+                <a:ea typeface="MS Gothic" panose="020B0609070205080204" pitchFamily="49" charset="-128"/>
+              </a:rPr>
+              <a:t>1-2</a:t>
+            </a:r>
+            <a:r>
+              <a:rPr kumimoji="1" lang="ja-JP" altLang="en-US" sz="3200">
+                <a:latin typeface="MS Gothic" panose="020B0609070205080204" pitchFamily="49" charset="-128"/>
+                <a:ea typeface="MS Gothic" panose="020B0609070205080204" pitchFamily="49" charset="-128"/>
+              </a:rPr>
+              <a:t>の高さ制約あり</a:t>
             </a:r>
             <a:r>
               <a:rPr kumimoji="1" lang="en-US" altLang="ja-JP" sz="3200" dirty="0">
@@ -6408,7 +6593,7 @@
           <p:nvPr>
             <p:extLst>
               <p:ext uri="{D42A27DB-BD31-4B8C-83A1-F6EECF244321}">
-                <p14:modId xmlns:p14="http://schemas.microsoft.com/office/powerpoint/2010/main" val="1645446546"/>
+                <p14:modId xmlns:p14="http://schemas.microsoft.com/office/powerpoint/2010/main" val="614790993"/>
               </p:ext>
             </p:extLst>
           </p:nvPr>
@@ -6505,7 +6690,7 @@
                     <a:p>
                       <a:r>
                         <a:rPr kumimoji="1" lang="en-US" altLang="ja-JP" dirty="0"/>
-                        <a:t>2142</a:t>
+                        <a:t>3100</a:t>
                       </a:r>
                       <a:endParaRPr kumimoji="1" lang="ja-JP" altLang="en-US"/>
                     </a:p>
@@ -6519,7 +6704,7 @@
                     <a:p>
                       <a:r>
                         <a:rPr kumimoji="1" lang="en-US" altLang="ja-JP" dirty="0"/>
-                        <a:t>385106</a:t>
+                        <a:t>385282</a:t>
                       </a:r>
                       <a:endParaRPr kumimoji="1" lang="ja-JP" altLang="en-US"/>
                     </a:p>
@@ -6574,7 +6759,7 @@
                     <a:p>
                       <a:r>
                         <a:rPr kumimoji="1" lang="en-US" altLang="ja-JP" dirty="0"/>
-                        <a:t>2148</a:t>
+                        <a:t>3128</a:t>
                       </a:r>
                       <a:endParaRPr kumimoji="1" lang="ja-JP" altLang="en-US"/>
                     </a:p>
@@ -6588,7 +6773,7 @@
                     <a:p>
                       <a:r>
                         <a:rPr kumimoji="1" lang="en-US" altLang="ja-JP" dirty="0"/>
-                        <a:t>-2740</a:t>
+                        <a:t>-4152</a:t>
                       </a:r>
                       <a:endParaRPr kumimoji="1" lang="ja-JP" altLang="en-US"/>
                     </a:p>
@@ -6643,7 +6828,7 @@
                     <a:p>
                       <a:r>
                         <a:rPr kumimoji="1" lang="en-US" altLang="ja-JP" dirty="0"/>
-                        <a:t>4450</a:t>
+                        <a:t>8433</a:t>
                       </a:r>
                       <a:endParaRPr kumimoji="1" lang="ja-JP" altLang="en-US"/>
                     </a:p>
@@ -6657,7 +6842,7 @@
                     <a:p>
                       <a:r>
                         <a:rPr kumimoji="1" lang="en-US" altLang="ja-JP" dirty="0"/>
-                        <a:t>-4159</a:t>
+                        <a:t>-4173</a:t>
                       </a:r>
                       <a:endParaRPr kumimoji="1" lang="ja-JP" altLang="en-US"/>
                     </a:p>
@@ -6712,7 +6897,7 @@
                     <a:p>
                       <a:r>
                         <a:rPr kumimoji="1" lang="en-US" altLang="ja-JP" dirty="0"/>
-                        <a:t>5140</a:t>
+                        <a:t>10484</a:t>
                       </a:r>
                       <a:endParaRPr kumimoji="1" lang="ja-JP" altLang="en-US"/>
                     </a:p>
@@ -6726,7 +6911,7 @@
                     <a:p>
                       <a:r>
                         <a:rPr kumimoji="1" lang="en-US" altLang="ja-JP" dirty="0"/>
-                        <a:t>-4324</a:t>
+                        <a:t>-4347</a:t>
                       </a:r>
                       <a:endParaRPr kumimoji="1" lang="ja-JP" altLang="en-US"/>
                     </a:p>
@@ -7056,7 +7241,7 @@
         <p:spPr>
           <a:xfrm>
             <a:off x="1094282" y="717761"/>
-            <a:ext cx="8802410" cy="584775"/>
+            <a:ext cx="9417963" cy="584775"/>
           </a:xfrm>
           <a:prstGeom prst="rect">
             <a:avLst/>
@@ -7100,7 +7285,44 @@
                 <a:ea typeface="MS Gothic" panose="020B0609070205080204" pitchFamily="49" charset="-128"/>
                 <a:cs typeface="+mn-cs"/>
               </a:rPr>
-              <a:t>高さ制約を考慮した際のモデルの性能に関して</a:t>
+              <a:t>モデル</a:t>
+            </a:r>
+            <a:r>
+              <a:rPr lang="en-US" altLang="ja-JP" sz="3200" dirty="0">
+                <a:solidFill>
+                  <a:srgbClr val="002060"/>
+                </a:solidFill>
+                <a:latin typeface="MS Gothic" panose="020B0609070205080204" pitchFamily="49" charset="-128"/>
+                <a:ea typeface="MS Gothic" panose="020B0609070205080204" pitchFamily="49" charset="-128"/>
+              </a:rPr>
+              <a:t>1-2</a:t>
+            </a:r>
+            <a:r>
+              <a:rPr lang="ja-JP" altLang="en-US" sz="3200">
+                <a:solidFill>
+                  <a:srgbClr val="002060"/>
+                </a:solidFill>
+                <a:latin typeface="MS Gothic" panose="020B0609070205080204" pitchFamily="49" charset="-128"/>
+                <a:ea typeface="MS Gothic" panose="020B0609070205080204" pitchFamily="49" charset="-128"/>
+              </a:rPr>
+              <a:t>の</a:t>
+            </a:r>
+            <a:r>
+              <a:rPr kumimoji="1" lang="ja-JP" altLang="en-US" sz="3200" b="0" i="0" u="none" strike="noStrike" kern="1200" cap="none" spc="0" normalizeH="0" baseline="0" noProof="0">
+                <a:ln>
+                  <a:noFill/>
+                </a:ln>
+                <a:solidFill>
+                  <a:srgbClr val="002060"/>
+                </a:solidFill>
+                <a:effectLst/>
+                <a:uLnTx/>
+                <a:uFillTx/>
+                <a:latin typeface="MS Gothic" panose="020B0609070205080204" pitchFamily="49" charset="-128"/>
+                <a:ea typeface="MS Gothic" panose="020B0609070205080204" pitchFamily="49" charset="-128"/>
+                <a:cs typeface="+mn-cs"/>
+              </a:rPr>
+              <a:t>高さ制約を考慮した際の性能に関して</a:t>
             </a:r>
           </a:p>
         </p:txBody>
@@ -7146,7 +7368,7 @@
             </a:r>
             <a:r>
               <a:rPr lang="en-US" altLang="ja-JP" sz="2800" dirty="0"/>
-              <a:t>4</a:t>
+              <a:t>6</a:t>
             </a:r>
             <a:r>
               <a:rPr lang="ja-JP" altLang="en-US" sz="2800"/>
@@ -7260,6 +7482,1842 @@
           <a:bodyPr rtlCol="0" anchor="ctr"/>
           <a:lstStyle/>
           <a:p>
+            <a:pPr marL="0" marR="0" lvl="0" indent="0" algn="ctr" defTabSz="914400" rtl="0" eaLnBrk="1" fontAlgn="auto" latinLnBrk="0" hangingPunct="1">
+              <a:lnSpc>
+                <a:spcPct val="100000"/>
+              </a:lnSpc>
+              <a:spcBef>
+                <a:spcPts val="0"/>
+              </a:spcBef>
+              <a:spcAft>
+                <a:spcPts val="0"/>
+              </a:spcAft>
+              <a:buClrTx/>
+              <a:buSzTx/>
+              <a:buFontTx/>
+              <a:buNone/>
+              <a:tabLst/>
+              <a:defRPr/>
+            </a:pPr>
+            <a:endParaRPr kumimoji="1" lang="ja-JP" altLang="en-US" sz="1800" b="0" i="0" u="none" strike="noStrike" kern="1200" cap="none" spc="0" normalizeH="0" baseline="0" noProof="0">
+              <a:ln>
+                <a:noFill/>
+              </a:ln>
+              <a:solidFill>
+                <a:prstClr val="white"/>
+              </a:solidFill>
+              <a:effectLst/>
+              <a:uLnTx/>
+              <a:uFillTx/>
+              <a:latin typeface="游ゴシック" panose="020F0502020204030204"/>
+              <a:ea typeface="游ゴシック" panose="020B0400000000000000" pitchFamily="34" charset="-128"/>
+              <a:cs typeface="+mn-cs"/>
+            </a:endParaRPr>
+          </a:p>
+        </p:txBody>
+      </p:sp>
+      <p:sp>
+        <p:nvSpPr>
+          <p:cNvPr id="6" name="正方形/長方形 5">
+            <a:extLst>
+              <a:ext uri="{FF2B5EF4-FFF2-40B4-BE49-F238E27FC236}">
+                <a16:creationId xmlns:a16="http://schemas.microsoft.com/office/drawing/2014/main" id="{9139BD5E-A769-0544-BF63-CDFC1B152C93}"/>
+              </a:ext>
+            </a:extLst>
+          </p:cNvPr>
+          <p:cNvSpPr/>
+          <p:nvPr/>
+        </p:nvSpPr>
+        <p:spPr>
+          <a:xfrm>
+            <a:off x="11693624" y="6369444"/>
+            <a:ext cx="375424" cy="461665"/>
+          </a:xfrm>
+          <a:prstGeom prst="rect">
+            <a:avLst/>
+          </a:prstGeom>
+        </p:spPr>
+        <p:txBody>
+          <a:bodyPr wrap="none">
+            <a:spAutoFit/>
+          </a:bodyPr>
+          <a:lstStyle/>
+          <a:p>
+            <a:pPr marL="0" marR="0" lvl="0" indent="0" algn="ctr" defTabSz="914400" rtl="0" eaLnBrk="1" fontAlgn="auto" latinLnBrk="0" hangingPunct="1">
+              <a:lnSpc>
+                <a:spcPct val="100000"/>
+              </a:lnSpc>
+              <a:spcBef>
+                <a:spcPts val="0"/>
+              </a:spcBef>
+              <a:spcAft>
+                <a:spcPts val="0"/>
+              </a:spcAft>
+              <a:buClrTx/>
+              <a:buSzTx/>
+              <a:buFontTx/>
+              <a:buNone/>
+              <a:tabLst/>
+              <a:defRPr/>
+            </a:pPr>
+            <a:fld id="{19B51A1E-902D-48AF-9020-955120F399B6}" type="slidenum">
+              <a:rPr kumimoji="1" lang="en-US" altLang="ja-JP" sz="2400" b="0" i="0" u="none" strike="noStrike" kern="1200" cap="none" spc="0" normalizeH="0" baseline="0" noProof="0" smtClean="0">
+                <a:ln w="10160">
+                  <a:solidFill>
+                    <a:srgbClr val="4472C4">
+                      <a:lumMod val="20000"/>
+                      <a:lumOff val="80000"/>
+                    </a:srgbClr>
+                  </a:solidFill>
+                  <a:prstDash val="solid"/>
+                </a:ln>
+                <a:solidFill>
+                  <a:srgbClr val="FFFFFF"/>
+                </a:solidFill>
+                <a:effectLst>
+                  <a:outerShdw blurRad="38100" dist="22860" dir="5400000" algn="tl" rotWithShape="0">
+                    <a:srgbClr val="000000">
+                      <a:alpha val="30000"/>
+                    </a:srgbClr>
+                  </a:outerShdw>
+                </a:effectLst>
+                <a:uLnTx/>
+                <a:uFillTx/>
+                <a:latin typeface="Meiryo UI" panose="020B0604030504040204" pitchFamily="50" charset="-128"/>
+                <a:ea typeface="Meiryo UI" panose="020B0604030504040204" pitchFamily="50" charset="-128"/>
+                <a:cs typeface="+mn-cs"/>
+              </a:rPr>
+              <a:pPr marL="0" marR="0" lvl="0" indent="0" algn="ctr" defTabSz="914400" rtl="0" eaLnBrk="1" fontAlgn="auto" latinLnBrk="0" hangingPunct="1">
+                <a:lnSpc>
+                  <a:spcPct val="100000"/>
+                </a:lnSpc>
+                <a:spcBef>
+                  <a:spcPts val="0"/>
+                </a:spcBef>
+                <a:spcAft>
+                  <a:spcPts val="0"/>
+                </a:spcAft>
+                <a:buClrTx/>
+                <a:buSzTx/>
+                <a:buFontTx/>
+                <a:buNone/>
+                <a:tabLst/>
+                <a:defRPr/>
+              </a:pPr>
+              <a:t>6</a:t>
+            </a:fld>
+            <a:endParaRPr kumimoji="1" lang="ja-JP" altLang="en-US" sz="2400" b="0" i="0" u="none" strike="noStrike" kern="1200" cap="none" spc="0" normalizeH="0" baseline="0" noProof="0" dirty="0">
+              <a:ln w="10160">
+                <a:solidFill>
+                  <a:srgbClr val="4472C4">
+                    <a:lumMod val="20000"/>
+                    <a:lumOff val="80000"/>
+                  </a:srgbClr>
+                </a:solidFill>
+                <a:prstDash val="solid"/>
+              </a:ln>
+              <a:solidFill>
+                <a:srgbClr val="FFFFFF"/>
+              </a:solidFill>
+              <a:effectLst>
+                <a:outerShdw blurRad="38100" dist="22860" dir="5400000" algn="tl" rotWithShape="0">
+                  <a:srgbClr val="000000">
+                    <a:alpha val="30000"/>
+                  </a:srgbClr>
+                </a:outerShdw>
+              </a:effectLst>
+              <a:uLnTx/>
+              <a:uFillTx/>
+              <a:latin typeface="Meiryo UI" panose="020B0604030504040204" pitchFamily="50" charset="-128"/>
+              <a:ea typeface="Meiryo UI" panose="020B0604030504040204" pitchFamily="50" charset="-128"/>
+              <a:cs typeface="+mn-cs"/>
+            </a:endParaRPr>
+          </a:p>
+        </p:txBody>
+      </p:sp>
+      <p:pic>
+        <p:nvPicPr>
+          <p:cNvPr id="35" name="図 34">
+            <a:extLst>
+              <a:ext uri="{FF2B5EF4-FFF2-40B4-BE49-F238E27FC236}">
+                <a16:creationId xmlns:a16="http://schemas.microsoft.com/office/drawing/2014/main" id="{39ED5C20-E89F-7342-BAD7-87C73EFBF3CB}"/>
+              </a:ext>
+            </a:extLst>
+          </p:cNvPr>
+          <p:cNvPicPr>
+            <a:picLocks noChangeAspect="1"/>
+          </p:cNvPicPr>
+          <p:nvPr/>
+        </p:nvPicPr>
+        <p:blipFill rotWithShape="1">
+          <a:blip r:embed="rId3"/>
+          <a:srcRect t="11225" b="13265"/>
+          <a:stretch/>
+        </p:blipFill>
+        <p:spPr>
+          <a:xfrm>
+            <a:off x="10739012" y="298221"/>
+            <a:ext cx="1330036" cy="1004315"/>
+          </a:xfrm>
+          <a:prstGeom prst="rect">
+            <a:avLst/>
+          </a:prstGeom>
+        </p:spPr>
+      </p:pic>
+      <p:sp>
+        <p:nvSpPr>
+          <p:cNvPr id="10" name="正方形/長方形 9">
+            <a:extLst>
+              <a:ext uri="{FF2B5EF4-FFF2-40B4-BE49-F238E27FC236}">
+                <a16:creationId xmlns:a16="http://schemas.microsoft.com/office/drawing/2014/main" id="{06329157-E1DB-854A-A487-914C6BE2287C}"/>
+              </a:ext>
+            </a:extLst>
+          </p:cNvPr>
+          <p:cNvSpPr/>
+          <p:nvPr/>
+        </p:nvSpPr>
+        <p:spPr>
+          <a:xfrm>
+            <a:off x="1094282" y="717761"/>
+            <a:ext cx="3262432" cy="584775"/>
+          </a:xfrm>
+          <a:prstGeom prst="rect">
+            <a:avLst/>
+          </a:prstGeom>
+        </p:spPr>
+        <p:txBody>
+          <a:bodyPr wrap="none">
+            <a:spAutoFit/>
+          </a:bodyPr>
+          <a:lstStyle/>
+          <a:p>
+            <a:pPr marL="0" marR="0" lvl="0" indent="0" algn="l" defTabSz="914400" rtl="0" eaLnBrk="1" fontAlgn="auto" latinLnBrk="0" hangingPunct="1">
+              <a:lnSpc>
+                <a:spcPct val="100000"/>
+              </a:lnSpc>
+              <a:spcBef>
+                <a:spcPts val="0"/>
+              </a:spcBef>
+              <a:spcAft>
+                <a:spcPts val="0"/>
+              </a:spcAft>
+              <a:buClrTx/>
+              <a:buSzTx/>
+              <a:buFontTx/>
+              <a:buNone/>
+              <a:tabLst/>
+              <a:defRPr/>
+            </a:pPr>
+            <a:r>
+              <a:rPr kumimoji="1" lang="ja-JP" altLang="en-US" sz="3200" b="0" i="0" u="none" strike="noStrike" kern="1200" cap="none" spc="0" normalizeH="0" baseline="0" noProof="0">
+                <a:ln>
+                  <a:noFill/>
+                </a:ln>
+                <a:solidFill>
+                  <a:srgbClr val="002060"/>
+                </a:solidFill>
+                <a:effectLst/>
+                <a:uLnTx/>
+                <a:uFillTx/>
+                <a:latin typeface="MS Gothic" panose="020B0609070205080204" pitchFamily="49" charset="-128"/>
+                <a:ea typeface="MS Gothic" panose="020B0609070205080204" pitchFamily="49" charset="-128"/>
+                <a:cs typeface="+mn-cs"/>
+              </a:rPr>
+              <a:t>モデル</a:t>
+            </a:r>
+            <a:r>
+              <a:rPr kumimoji="1" lang="en-US" altLang="ja-JP" sz="3200" b="0" i="0" u="none" strike="noStrike" kern="1200" cap="none" spc="0" normalizeH="0" baseline="0" noProof="0" dirty="0">
+                <a:ln>
+                  <a:noFill/>
+                </a:ln>
+                <a:solidFill>
+                  <a:srgbClr val="002060"/>
+                </a:solidFill>
+                <a:effectLst/>
+                <a:uLnTx/>
+                <a:uFillTx/>
+                <a:latin typeface="MS Gothic" panose="020B0609070205080204" pitchFamily="49" charset="-128"/>
+                <a:ea typeface="MS Gothic" panose="020B0609070205080204" pitchFamily="49" charset="-128"/>
+                <a:cs typeface="+mn-cs"/>
+              </a:rPr>
+              <a:t>2</a:t>
+            </a:r>
+            <a:r>
+              <a:rPr kumimoji="1" lang="ja-JP" altLang="en-US" sz="3200" b="0" i="0" u="none" strike="noStrike" kern="1200" cap="none" spc="0" normalizeH="0" baseline="0" noProof="0">
+                <a:ln>
+                  <a:noFill/>
+                </a:ln>
+                <a:solidFill>
+                  <a:srgbClr val="002060"/>
+                </a:solidFill>
+                <a:effectLst/>
+                <a:uLnTx/>
+                <a:uFillTx/>
+                <a:latin typeface="MS Gothic" panose="020B0609070205080204" pitchFamily="49" charset="-128"/>
+                <a:ea typeface="MS Gothic" panose="020B0609070205080204" pitchFamily="49" charset="-128"/>
+                <a:cs typeface="+mn-cs"/>
+              </a:rPr>
+              <a:t>での比較</a:t>
+            </a:r>
+          </a:p>
+        </p:txBody>
+      </p:sp>
+      <p:sp>
+        <p:nvSpPr>
+          <p:cNvPr id="4" name="テキスト ボックス 3">
+            <a:extLst>
+              <a:ext uri="{FF2B5EF4-FFF2-40B4-BE49-F238E27FC236}">
+                <a16:creationId xmlns:a16="http://schemas.microsoft.com/office/drawing/2014/main" id="{9B94F252-A9BC-7545-95CF-98415A18C021}"/>
+              </a:ext>
+            </a:extLst>
+          </p:cNvPr>
+          <p:cNvSpPr txBox="1"/>
+          <p:nvPr/>
+        </p:nvSpPr>
+        <p:spPr>
+          <a:xfrm>
+            <a:off x="1094282" y="1843790"/>
+            <a:ext cx="9024079" cy="3054298"/>
+          </a:xfrm>
+          <a:prstGeom prst="rect">
+            <a:avLst/>
+          </a:prstGeom>
+          <a:noFill/>
+        </p:spPr>
+        <p:txBody>
+          <a:bodyPr wrap="square" rtlCol="0">
+            <a:spAutoFit/>
+          </a:bodyPr>
+          <a:lstStyle/>
+          <a:p>
+            <a:pPr marL="457200" indent="-457200">
+              <a:lnSpc>
+                <a:spcPct val="150000"/>
+              </a:lnSpc>
+              <a:buFont typeface="Arial" panose="020B0604020202020204" pitchFamily="34" charset="0"/>
+              <a:buChar char="•"/>
+            </a:pPr>
+            <a:r>
+              <a:rPr lang="ja-JP" altLang="en-US" sz="2800"/>
+              <a:t>同様にホールドに</a:t>
+            </a:r>
+            <a:r>
+              <a:rPr lang="en-US" altLang="ja-JP" sz="2800" dirty="0"/>
+              <a:t>3</a:t>
+            </a:r>
+            <a:r>
+              <a:rPr lang="ja-JP" altLang="en-US" sz="2800"/>
+              <a:t>種類</a:t>
+            </a:r>
+            <a:r>
+              <a:rPr lang="en-US" altLang="ja-JP" sz="2800" dirty="0"/>
+              <a:t>(</a:t>
+            </a:r>
+            <a:r>
+              <a:rPr lang="ja-JP" altLang="en-US" sz="2800"/>
+              <a:t>低，中，高</a:t>
+            </a:r>
+            <a:r>
+              <a:rPr lang="en-US" altLang="ja-JP" sz="2800" dirty="0"/>
+              <a:t>)</a:t>
+            </a:r>
+            <a:r>
+              <a:rPr lang="ja-JP" altLang="en-US" sz="2800"/>
+              <a:t>の情報を付与して計算</a:t>
+            </a:r>
+            <a:endParaRPr lang="en-US" altLang="ja-JP" sz="2800" dirty="0"/>
+          </a:p>
+          <a:p>
+            <a:pPr marL="457200" indent="-457200">
+              <a:lnSpc>
+                <a:spcPct val="150000"/>
+              </a:lnSpc>
+              <a:buFont typeface="Arial" panose="020B0604020202020204" pitchFamily="34" charset="0"/>
+              <a:buChar char="•"/>
+            </a:pPr>
+            <a:r>
+              <a:rPr lang="ja-JP" altLang="en-US" sz="2800"/>
+              <a:t>扱う問題例は，総積載量 </a:t>
+            </a:r>
+            <a:r>
+              <a:rPr lang="en-US" altLang="ja-JP" sz="2800" dirty="0"/>
+              <a:t>7500 </a:t>
+            </a:r>
+            <a:r>
+              <a:rPr lang="en" altLang="ja-JP" sz="2800" dirty="0"/>
+              <a:t>RT </a:t>
+            </a:r>
+            <a:r>
+              <a:rPr lang="ja-JP" altLang="en-US" sz="2800"/>
+              <a:t>の </a:t>
+            </a:r>
+            <a:r>
+              <a:rPr lang="en-US" altLang="ja-JP" sz="2800" dirty="0"/>
+              <a:t>12 </a:t>
+            </a:r>
+            <a:r>
+              <a:rPr lang="ja-JP" altLang="en-US" sz="2800"/>
+              <a:t>階構造の船を対象とした </a:t>
+            </a:r>
+          </a:p>
+          <a:p>
+            <a:pPr marL="457200" indent="-457200">
+              <a:lnSpc>
+                <a:spcPct val="150000"/>
+              </a:lnSpc>
+              <a:buFont typeface="Arial" panose="020B0604020202020204" pitchFamily="34" charset="0"/>
+              <a:buChar char="•"/>
+            </a:pPr>
+            <a:endParaRPr lang="en-US" altLang="ja-JP" dirty="0"/>
+          </a:p>
+        </p:txBody>
+      </p:sp>
+    </p:spTree>
+    <p:extLst>
+      <p:ext uri="{BB962C8B-B14F-4D97-AF65-F5344CB8AC3E}">
+        <p14:creationId xmlns:p14="http://schemas.microsoft.com/office/powerpoint/2010/main" val="827056950"/>
+      </p:ext>
+    </p:extLst>
+  </p:cSld>
+  <p:clrMapOvr>
+    <a:masterClrMapping/>
+  </p:clrMapOvr>
+</p:sld>
+</file>
+
+<file path=ppt/slides/slide7.xml><?xml version="1.0" encoding="utf-8"?>
+<p:sld xmlns:a="http://schemas.openxmlformats.org/drawingml/2006/main" xmlns:r="http://schemas.openxmlformats.org/officeDocument/2006/relationships" xmlns:p="http://schemas.openxmlformats.org/presentationml/2006/main">
+  <p:cSld>
+    <p:spTree>
+      <p:nvGrpSpPr>
+        <p:cNvPr id="1" name=""/>
+        <p:cNvGrpSpPr/>
+        <p:nvPr/>
+      </p:nvGrpSpPr>
+      <p:grpSpPr>
+        <a:xfrm>
+          <a:off x="0" y="0"/>
+          <a:ext cx="0" cy="0"/>
+          <a:chOff x="0" y="0"/>
+          <a:chExt cx="0" cy="0"/>
+        </a:xfrm>
+      </p:grpSpPr>
+      <p:sp>
+        <p:nvSpPr>
+          <p:cNvPr id="2" name="タイトル 1">
+            <a:extLst>
+              <a:ext uri="{FF2B5EF4-FFF2-40B4-BE49-F238E27FC236}">
+                <a16:creationId xmlns:a16="http://schemas.microsoft.com/office/drawing/2014/main" id="{9C59A61A-9502-434B-A065-FDABADC31C72}"/>
+              </a:ext>
+            </a:extLst>
+          </p:cNvPr>
+          <p:cNvSpPr>
+            <a:spLocks noGrp="1"/>
+          </p:cNvSpPr>
+          <p:nvPr>
+            <p:ph type="title"/>
+          </p:nvPr>
+        </p:nvSpPr>
+        <p:spPr/>
+        <p:txBody>
+          <a:bodyPr>
+            <a:normAutofit/>
+          </a:bodyPr>
+          <a:lstStyle/>
+          <a:p>
+            <a:r>
+              <a:rPr kumimoji="1" lang="ja-JP" altLang="en-US" sz="3200">
+                <a:latin typeface="MS Gothic" panose="020B0609070205080204" pitchFamily="49" charset="-128"/>
+                <a:ea typeface="MS Gothic" panose="020B0609070205080204" pitchFamily="49" charset="-128"/>
+              </a:rPr>
+              <a:t>モデル</a:t>
+            </a:r>
+            <a:r>
+              <a:rPr kumimoji="1" lang="en-US" altLang="ja-JP" sz="3200" dirty="0">
+                <a:latin typeface="MS Gothic" panose="020B0609070205080204" pitchFamily="49" charset="-128"/>
+                <a:ea typeface="MS Gothic" panose="020B0609070205080204" pitchFamily="49" charset="-128"/>
+              </a:rPr>
+              <a:t>2</a:t>
+            </a:r>
+            <a:r>
+              <a:rPr kumimoji="1" lang="ja-JP" altLang="en-US" sz="3200">
+                <a:latin typeface="MS Gothic" panose="020B0609070205080204" pitchFamily="49" charset="-128"/>
+                <a:ea typeface="MS Gothic" panose="020B0609070205080204" pitchFamily="49" charset="-128"/>
+              </a:rPr>
+              <a:t>の高さ制約あり</a:t>
+            </a:r>
+            <a:r>
+              <a:rPr kumimoji="1" lang="en-US" altLang="ja-JP" sz="3200" dirty="0">
+                <a:latin typeface="MS Gothic" panose="020B0609070205080204" pitchFamily="49" charset="-128"/>
+                <a:ea typeface="MS Gothic" panose="020B0609070205080204" pitchFamily="49" charset="-128"/>
+              </a:rPr>
+              <a:t>/</a:t>
+            </a:r>
+            <a:r>
+              <a:rPr kumimoji="1" lang="ja-JP" altLang="en-US" sz="3200">
+                <a:latin typeface="MS Gothic" panose="020B0609070205080204" pitchFamily="49" charset="-128"/>
+                <a:ea typeface="MS Gothic" panose="020B0609070205080204" pitchFamily="49" charset="-128"/>
+              </a:rPr>
+              <a:t>なしの比較</a:t>
+            </a:r>
+          </a:p>
+        </p:txBody>
+      </p:sp>
+      <p:sp>
+        <p:nvSpPr>
+          <p:cNvPr id="3" name="コンテンツ プレースホルダー 2">
+            <a:extLst>
+              <a:ext uri="{FF2B5EF4-FFF2-40B4-BE49-F238E27FC236}">
+                <a16:creationId xmlns:a16="http://schemas.microsoft.com/office/drawing/2014/main" id="{F66FBB84-B9C7-AA4D-80BE-18B755A94097}"/>
+              </a:ext>
+            </a:extLst>
+          </p:cNvPr>
+          <p:cNvSpPr>
+            <a:spLocks noGrp="1"/>
+          </p:cNvSpPr>
+          <p:nvPr>
+            <p:ph sz="half" idx="1"/>
+          </p:nvPr>
+        </p:nvSpPr>
+        <p:spPr/>
+        <p:txBody>
+          <a:bodyPr/>
+          <a:lstStyle/>
+          <a:p>
+            <a:pPr marL="0" indent="0">
+              <a:buNone/>
+            </a:pPr>
+            <a:r>
+              <a:rPr kumimoji="1" lang="ja-JP" altLang="en-US"/>
+              <a:t>高さなし</a:t>
+            </a:r>
+          </a:p>
+        </p:txBody>
+      </p:sp>
+      <p:sp>
+        <p:nvSpPr>
+          <p:cNvPr id="4" name="コンテンツ プレースホルダー 3">
+            <a:extLst>
+              <a:ext uri="{FF2B5EF4-FFF2-40B4-BE49-F238E27FC236}">
+                <a16:creationId xmlns:a16="http://schemas.microsoft.com/office/drawing/2014/main" id="{18254CEE-128F-D144-84C9-40C91BD284C0}"/>
+              </a:ext>
+            </a:extLst>
+          </p:cNvPr>
+          <p:cNvSpPr>
+            <a:spLocks noGrp="1"/>
+          </p:cNvSpPr>
+          <p:nvPr>
+            <p:ph sz="half" idx="2"/>
+          </p:nvPr>
+        </p:nvSpPr>
+        <p:spPr/>
+        <p:txBody>
+          <a:bodyPr/>
+          <a:lstStyle/>
+          <a:p>
+            <a:pPr marL="0" indent="0">
+              <a:buNone/>
+            </a:pPr>
+            <a:r>
+              <a:rPr kumimoji="1" lang="ja-JP" altLang="en-US"/>
+              <a:t>高さあり</a:t>
+            </a:r>
+          </a:p>
+        </p:txBody>
+      </p:sp>
+      <p:pic>
+        <p:nvPicPr>
+          <p:cNvPr id="5" name="図 4">
+            <a:extLst>
+              <a:ext uri="{FF2B5EF4-FFF2-40B4-BE49-F238E27FC236}">
+                <a16:creationId xmlns:a16="http://schemas.microsoft.com/office/drawing/2014/main" id="{41482D62-7CBE-DF47-A6E6-9C986213427C}"/>
+              </a:ext>
+            </a:extLst>
+          </p:cNvPr>
+          <p:cNvPicPr>
+            <a:picLocks noChangeAspect="1"/>
+          </p:cNvPicPr>
+          <p:nvPr/>
+        </p:nvPicPr>
+        <p:blipFill rotWithShape="1">
+          <a:blip r:embed="rId2"/>
+          <a:srcRect t="11225" b="13265"/>
+          <a:stretch/>
+        </p:blipFill>
+        <p:spPr>
+          <a:xfrm>
+            <a:off x="10688782" y="230188"/>
+            <a:ext cx="1330036" cy="1004315"/>
+          </a:xfrm>
+          <a:prstGeom prst="rect">
+            <a:avLst/>
+          </a:prstGeom>
+        </p:spPr>
+      </p:pic>
+      <p:graphicFrame>
+        <p:nvGraphicFramePr>
+          <p:cNvPr id="6" name="表 5">
+            <a:extLst>
+              <a:ext uri="{FF2B5EF4-FFF2-40B4-BE49-F238E27FC236}">
+                <a16:creationId xmlns:a16="http://schemas.microsoft.com/office/drawing/2014/main" id="{7C5BD33A-7DD8-DC43-9A43-8E0D0D565D25}"/>
+              </a:ext>
+            </a:extLst>
+          </p:cNvPr>
+          <p:cNvGraphicFramePr>
+            <a:graphicFrameLocks noGrp="1"/>
+          </p:cNvGraphicFramePr>
+          <p:nvPr>
+            <p:extLst>
+              <p:ext uri="{D42A27DB-BD31-4B8C-83A1-F6EECF244321}">
+                <p14:modId xmlns:p14="http://schemas.microsoft.com/office/powerpoint/2010/main" val="2471014874"/>
+              </p:ext>
+            </p:extLst>
+          </p:nvPr>
+        </p:nvGraphicFramePr>
+        <p:xfrm>
+          <a:off x="517994" y="2712526"/>
+          <a:ext cx="4758543" cy="3766141"/>
+        </p:xfrm>
+        <a:graphic>
+          <a:graphicData uri="http://schemas.openxmlformats.org/drawingml/2006/table">
+            <a:tbl>
+              <a:tblPr firstRow="1" bandRow="1">
+                <a:tableStyleId>{5C22544A-7EE6-4342-B048-85BDC9FD1C3A}</a:tableStyleId>
+              </a:tblPr>
+              <a:tblGrid>
+                <a:gridCol w="1586181">
+                  <a:extLst>
+                    <a:ext uri="{9D8B030D-6E8A-4147-A177-3AD203B41FA5}">
+                      <a16:colId xmlns:a16="http://schemas.microsoft.com/office/drawing/2014/main" val="2773331440"/>
+                    </a:ext>
+                  </a:extLst>
+                </a:gridCol>
+                <a:gridCol w="1586181">
+                  <a:extLst>
+                    <a:ext uri="{9D8B030D-6E8A-4147-A177-3AD203B41FA5}">
+                      <a16:colId xmlns:a16="http://schemas.microsoft.com/office/drawing/2014/main" val="104301744"/>
+                    </a:ext>
+                  </a:extLst>
+                </a:gridCol>
+                <a:gridCol w="1586181">
+                  <a:extLst>
+                    <a:ext uri="{9D8B030D-6E8A-4147-A177-3AD203B41FA5}">
+                      <a16:colId xmlns:a16="http://schemas.microsoft.com/office/drawing/2014/main" val="3225761282"/>
+                    </a:ext>
+                  </a:extLst>
+                </a:gridCol>
+              </a:tblGrid>
+              <a:tr h="615088">
+                <a:tc>
+                  <a:txBody>
+                    <a:bodyPr/>
+                    <a:lstStyle/>
+                    <a:p>
+                      <a:pPr algn="ctr"/>
+                      <a:r>
+                        <a:rPr kumimoji="1" lang="ja-JP" altLang="en-US"/>
+                        <a:t>計算時間</a:t>
+                      </a:r>
+                      <a:r>
+                        <a:rPr kumimoji="1" lang="en-US" altLang="ja-JP" dirty="0"/>
+                        <a:t>(s)</a:t>
+                      </a:r>
+                      <a:endParaRPr kumimoji="1" lang="ja-JP" altLang="en-US"/>
+                    </a:p>
+                  </a:txBody>
+                  <a:tcPr/>
+                </a:tc>
+                <a:tc>
+                  <a:txBody>
+                    <a:bodyPr/>
+                    <a:lstStyle/>
+                    <a:p>
+                      <a:pPr algn="ctr"/>
+                      <a:r>
+                        <a:rPr kumimoji="1" lang="ja-JP" altLang="en-US"/>
+                        <a:t>暫定値</a:t>
+                      </a:r>
+                    </a:p>
+                  </a:txBody>
+                  <a:tcPr/>
+                </a:tc>
+                <a:tc>
+                  <a:txBody>
+                    <a:bodyPr/>
+                    <a:lstStyle/>
+                    <a:p>
+                      <a:pPr algn="ctr"/>
+                      <a:r>
+                        <a:rPr kumimoji="1" lang="ja-JP" altLang="en-US"/>
+                        <a:t>最良値</a:t>
+                      </a:r>
+                    </a:p>
+                  </a:txBody>
+                  <a:tcPr/>
+                </a:tc>
+                <a:extLst>
+                  <a:ext uri="{0D108BD9-81ED-4DB2-BD59-A6C34878D82A}">
+                    <a16:rowId xmlns:a16="http://schemas.microsoft.com/office/drawing/2014/main" val="1679903876"/>
+                  </a:ext>
+                </a:extLst>
+              </a:tr>
+              <a:tr h="623631">
+                <a:tc>
+                  <a:txBody>
+                    <a:bodyPr/>
+                    <a:lstStyle/>
+                    <a:p>
+                      <a:pPr algn="ctr"/>
+                      <a:r>
+                        <a:rPr kumimoji="1" lang="en-US" altLang="ja-JP" dirty="0"/>
+                        <a:t>3</a:t>
+                      </a:r>
+                      <a:endParaRPr kumimoji="1" lang="ja-JP" altLang="en-US"/>
+                    </a:p>
+                  </a:txBody>
+                  <a:tcPr/>
+                </a:tc>
+                <a:tc>
+                  <a:txBody>
+                    <a:bodyPr/>
+                    <a:lstStyle/>
+                    <a:p>
+                      <a:pPr algn="ctr"/>
+                      <a:r>
+                        <a:rPr kumimoji="1" lang="en-US" altLang="ja-JP" dirty="0"/>
+                        <a:t>-3524</a:t>
+                      </a:r>
+                      <a:endParaRPr kumimoji="1" lang="ja-JP" altLang="en-US"/>
+                    </a:p>
+                  </a:txBody>
+                  <a:tcPr/>
+                </a:tc>
+                <a:tc>
+                  <a:txBody>
+                    <a:bodyPr/>
+                    <a:lstStyle/>
+                    <a:p>
+                      <a:pPr algn="ctr"/>
+                      <a:r>
+                        <a:rPr kumimoji="1" lang="en-US" altLang="ja-JP" dirty="0"/>
+                        <a:t>-4420.7</a:t>
+                      </a:r>
+                      <a:endParaRPr kumimoji="1" lang="ja-JP" altLang="en-US"/>
+                    </a:p>
+                  </a:txBody>
+                  <a:tcPr/>
+                </a:tc>
+                <a:extLst>
+                  <a:ext uri="{0D108BD9-81ED-4DB2-BD59-A6C34878D82A}">
+                    <a16:rowId xmlns:a16="http://schemas.microsoft.com/office/drawing/2014/main" val="3667016511"/>
+                  </a:ext>
+                </a:extLst>
+              </a:tr>
+              <a:tr h="623631">
+                <a:tc>
+                  <a:txBody>
+                    <a:bodyPr/>
+                    <a:lstStyle/>
+                    <a:p>
+                      <a:pPr algn="ctr"/>
+                      <a:r>
+                        <a:rPr kumimoji="1" lang="en-US" altLang="ja-JP" dirty="0"/>
+                        <a:t>3</a:t>
+                      </a:r>
+                      <a:endParaRPr kumimoji="1" lang="ja-JP" altLang="en-US"/>
+                    </a:p>
+                  </a:txBody>
+                  <a:tcPr/>
+                </a:tc>
+                <a:tc>
+                  <a:txBody>
+                    <a:bodyPr/>
+                    <a:lstStyle/>
+                    <a:p>
+                      <a:pPr algn="ctr"/>
+                      <a:r>
+                        <a:rPr kumimoji="1" lang="en-US" altLang="ja-JP" dirty="0"/>
+                        <a:t>-4199</a:t>
+                      </a:r>
+                      <a:endParaRPr kumimoji="1" lang="ja-JP" altLang="en-US"/>
+                    </a:p>
+                  </a:txBody>
+                  <a:tcPr/>
+                </a:tc>
+                <a:tc>
+                  <a:txBody>
+                    <a:bodyPr/>
+                    <a:lstStyle/>
+                    <a:p>
+                      <a:pPr algn="ctr"/>
+                      <a:r>
+                        <a:rPr kumimoji="1" lang="en-US" altLang="ja-JP" dirty="0"/>
+                        <a:t>-4420.7</a:t>
+                      </a:r>
+                      <a:endParaRPr kumimoji="1" lang="ja-JP" altLang="en-US"/>
+                    </a:p>
+                    <a:p>
+                      <a:pPr algn="ctr"/>
+                      <a:endParaRPr kumimoji="1" lang="ja-JP" altLang="en-US"/>
+                    </a:p>
+                  </a:txBody>
+                  <a:tcPr/>
+                </a:tc>
+                <a:extLst>
+                  <a:ext uri="{0D108BD9-81ED-4DB2-BD59-A6C34878D82A}">
+                    <a16:rowId xmlns:a16="http://schemas.microsoft.com/office/drawing/2014/main" val="1714159038"/>
+                  </a:ext>
+                </a:extLst>
+              </a:tr>
+              <a:tr h="623631">
+                <a:tc>
+                  <a:txBody>
+                    <a:bodyPr/>
+                    <a:lstStyle/>
+                    <a:p>
+                      <a:pPr algn="ctr"/>
+                      <a:r>
+                        <a:rPr kumimoji="1" lang="en-US" altLang="ja-JP" dirty="0"/>
+                        <a:t>4</a:t>
+                      </a:r>
+                      <a:endParaRPr kumimoji="1" lang="ja-JP" altLang="en-US"/>
+                    </a:p>
+                  </a:txBody>
+                  <a:tcPr/>
+                </a:tc>
+                <a:tc>
+                  <a:txBody>
+                    <a:bodyPr/>
+                    <a:lstStyle/>
+                    <a:p>
+                      <a:pPr algn="ctr"/>
+                      <a:r>
+                        <a:rPr kumimoji="1" lang="en-US" altLang="ja-JP" dirty="0"/>
+                        <a:t>-4353</a:t>
+                      </a:r>
+                      <a:endParaRPr kumimoji="1" lang="ja-JP" altLang="en-US"/>
+                    </a:p>
+                  </a:txBody>
+                  <a:tcPr/>
+                </a:tc>
+                <a:tc>
+                  <a:txBody>
+                    <a:bodyPr/>
+                    <a:lstStyle/>
+                    <a:p>
+                      <a:pPr algn="ctr"/>
+                      <a:r>
+                        <a:rPr kumimoji="1" lang="en-US" altLang="ja-JP" dirty="0"/>
+                        <a:t>-4420.7</a:t>
+                      </a:r>
+                      <a:endParaRPr kumimoji="1" lang="ja-JP" altLang="en-US"/>
+                    </a:p>
+                  </a:txBody>
+                  <a:tcPr/>
+                </a:tc>
+                <a:extLst>
+                  <a:ext uri="{0D108BD9-81ED-4DB2-BD59-A6C34878D82A}">
+                    <a16:rowId xmlns:a16="http://schemas.microsoft.com/office/drawing/2014/main" val="2815610960"/>
+                  </a:ext>
+                </a:extLst>
+              </a:tr>
+              <a:tr h="623631">
+                <a:tc>
+                  <a:txBody>
+                    <a:bodyPr/>
+                    <a:lstStyle/>
+                    <a:p>
+                      <a:pPr algn="ctr"/>
+                      <a:r>
+                        <a:rPr kumimoji="1" lang="en-US" altLang="ja-JP" dirty="0"/>
+                        <a:t>9</a:t>
+                      </a:r>
+                      <a:endParaRPr kumimoji="1" lang="ja-JP" altLang="en-US"/>
+                    </a:p>
+                  </a:txBody>
+                  <a:tcPr/>
+                </a:tc>
+                <a:tc>
+                  <a:txBody>
+                    <a:bodyPr/>
+                    <a:lstStyle/>
+                    <a:p>
+                      <a:pPr algn="ctr"/>
+                      <a:r>
+                        <a:rPr kumimoji="1" lang="en-US" altLang="ja-JP" dirty="0"/>
+                        <a:t>-4379</a:t>
+                      </a:r>
+                      <a:endParaRPr kumimoji="1" lang="ja-JP" altLang="en-US"/>
+                    </a:p>
+                  </a:txBody>
+                  <a:tcPr/>
+                </a:tc>
+                <a:tc>
+                  <a:txBody>
+                    <a:bodyPr/>
+                    <a:lstStyle/>
+                    <a:p>
+                      <a:pPr algn="ctr"/>
+                      <a:r>
+                        <a:rPr kumimoji="1" lang="en-US" altLang="ja-JP" dirty="0"/>
+                        <a:t>-4420.7</a:t>
+                      </a:r>
+                      <a:endParaRPr kumimoji="1" lang="ja-JP" altLang="en-US"/>
+                    </a:p>
+                    <a:p>
+                      <a:pPr algn="ctr"/>
+                      <a:endParaRPr kumimoji="1" lang="ja-JP" altLang="en-US"/>
+                    </a:p>
+                  </a:txBody>
+                  <a:tcPr/>
+                </a:tc>
+                <a:extLst>
+                  <a:ext uri="{0D108BD9-81ED-4DB2-BD59-A6C34878D82A}">
+                    <a16:rowId xmlns:a16="http://schemas.microsoft.com/office/drawing/2014/main" val="842600853"/>
+                  </a:ext>
+                </a:extLst>
+              </a:tr>
+              <a:tr h="623631">
+                <a:tc>
+                  <a:txBody>
+                    <a:bodyPr/>
+                    <a:lstStyle/>
+                    <a:p>
+                      <a:pPr algn="ctr"/>
+                      <a:r>
+                        <a:rPr kumimoji="1" lang="en-US" altLang="ja-JP" dirty="0"/>
+                        <a:t>242</a:t>
+                      </a:r>
+                      <a:endParaRPr kumimoji="1" lang="ja-JP" altLang="en-US"/>
+                    </a:p>
+                  </a:txBody>
+                  <a:tcPr/>
+                </a:tc>
+                <a:tc>
+                  <a:txBody>
+                    <a:bodyPr/>
+                    <a:lstStyle/>
+                    <a:p>
+                      <a:pPr algn="ctr"/>
+                      <a:r>
+                        <a:rPr kumimoji="1" lang="en-US" altLang="ja-JP" dirty="0"/>
+                        <a:t>-4384</a:t>
+                      </a:r>
+                      <a:endParaRPr kumimoji="1" lang="ja-JP" altLang="en-US"/>
+                    </a:p>
+                  </a:txBody>
+                  <a:tcPr/>
+                </a:tc>
+                <a:tc>
+                  <a:txBody>
+                    <a:bodyPr/>
+                    <a:lstStyle/>
+                    <a:p>
+                      <a:pPr algn="ctr"/>
+                      <a:r>
+                        <a:rPr kumimoji="1" lang="en-US" altLang="ja-JP" dirty="0"/>
+                        <a:t>-4420.7</a:t>
+                      </a:r>
+                      <a:endParaRPr kumimoji="1" lang="ja-JP" altLang="en-US"/>
+                    </a:p>
+                  </a:txBody>
+                  <a:tcPr/>
+                </a:tc>
+                <a:extLst>
+                  <a:ext uri="{0D108BD9-81ED-4DB2-BD59-A6C34878D82A}">
+                    <a16:rowId xmlns:a16="http://schemas.microsoft.com/office/drawing/2014/main" val="557538267"/>
+                  </a:ext>
+                </a:extLst>
+              </a:tr>
+            </a:tbl>
+          </a:graphicData>
+        </a:graphic>
+      </p:graphicFrame>
+      <p:graphicFrame>
+        <p:nvGraphicFramePr>
+          <p:cNvPr id="7" name="表 6">
+            <a:extLst>
+              <a:ext uri="{FF2B5EF4-FFF2-40B4-BE49-F238E27FC236}">
+                <a16:creationId xmlns:a16="http://schemas.microsoft.com/office/drawing/2014/main" id="{D14ADEC1-467D-7D4C-81CD-19D42B009216}"/>
+              </a:ext>
+            </a:extLst>
+          </p:cNvPr>
+          <p:cNvGraphicFramePr>
+            <a:graphicFrameLocks noGrp="1"/>
+          </p:cNvGraphicFramePr>
+          <p:nvPr>
+            <p:extLst>
+              <p:ext uri="{D42A27DB-BD31-4B8C-83A1-F6EECF244321}">
+                <p14:modId xmlns:p14="http://schemas.microsoft.com/office/powerpoint/2010/main" val="2374091554"/>
+              </p:ext>
+            </p:extLst>
+          </p:nvPr>
+        </p:nvGraphicFramePr>
+        <p:xfrm>
+          <a:off x="6261309" y="2712525"/>
+          <a:ext cx="5003382" cy="3813999"/>
+        </p:xfrm>
+        <a:graphic>
+          <a:graphicData uri="http://schemas.openxmlformats.org/drawingml/2006/table">
+            <a:tbl>
+              <a:tblPr firstRow="1" bandRow="1">
+                <a:tableStyleId>{5C22544A-7EE6-4342-B048-85BDC9FD1C3A}</a:tableStyleId>
+              </a:tblPr>
+              <a:tblGrid>
+                <a:gridCol w="1667794">
+                  <a:extLst>
+                    <a:ext uri="{9D8B030D-6E8A-4147-A177-3AD203B41FA5}">
+                      <a16:colId xmlns:a16="http://schemas.microsoft.com/office/drawing/2014/main" val="2026257715"/>
+                    </a:ext>
+                  </a:extLst>
+                </a:gridCol>
+                <a:gridCol w="1667794">
+                  <a:extLst>
+                    <a:ext uri="{9D8B030D-6E8A-4147-A177-3AD203B41FA5}">
+                      <a16:colId xmlns:a16="http://schemas.microsoft.com/office/drawing/2014/main" val="1279910219"/>
+                    </a:ext>
+                  </a:extLst>
+                </a:gridCol>
+                <a:gridCol w="1667794">
+                  <a:extLst>
+                    <a:ext uri="{9D8B030D-6E8A-4147-A177-3AD203B41FA5}">
+                      <a16:colId xmlns:a16="http://schemas.microsoft.com/office/drawing/2014/main" val="3910712517"/>
+                    </a:ext>
+                  </a:extLst>
+                </a:gridCol>
+              </a:tblGrid>
+              <a:tr h="538799">
+                <a:tc>
+                  <a:txBody>
+                    <a:bodyPr/>
+                    <a:lstStyle/>
+                    <a:p>
+                      <a:r>
+                        <a:rPr kumimoji="1" lang="ja-JP" altLang="en-US"/>
+                        <a:t>計算時間</a:t>
+                      </a:r>
+                      <a:r>
+                        <a:rPr kumimoji="1" lang="en-US" altLang="ja-JP" dirty="0"/>
+                        <a:t>(s)</a:t>
+                      </a:r>
+                      <a:endParaRPr kumimoji="1" lang="ja-JP" altLang="en-US"/>
+                    </a:p>
+                  </a:txBody>
+                  <a:tcPr/>
+                </a:tc>
+                <a:tc>
+                  <a:txBody>
+                    <a:bodyPr/>
+                    <a:lstStyle/>
+                    <a:p>
+                      <a:r>
+                        <a:rPr kumimoji="1" lang="ja-JP" altLang="en-US"/>
+                        <a:t>暫定値</a:t>
+                      </a:r>
+                    </a:p>
+                  </a:txBody>
+                  <a:tcPr/>
+                </a:tc>
+                <a:tc>
+                  <a:txBody>
+                    <a:bodyPr/>
+                    <a:lstStyle/>
+                    <a:p>
+                      <a:r>
+                        <a:rPr kumimoji="1" lang="ja-JP" altLang="en-US"/>
+                        <a:t>最良値</a:t>
+                      </a:r>
+                    </a:p>
+                  </a:txBody>
+                  <a:tcPr/>
+                </a:tc>
+                <a:extLst>
+                  <a:ext uri="{0D108BD9-81ED-4DB2-BD59-A6C34878D82A}">
+                    <a16:rowId xmlns:a16="http://schemas.microsoft.com/office/drawing/2014/main" val="202788734"/>
+                  </a:ext>
+                </a:extLst>
+              </a:tr>
+              <a:tr h="655040">
+                <a:tc>
+                  <a:txBody>
+                    <a:bodyPr/>
+                    <a:lstStyle/>
+                    <a:p>
+                      <a:r>
+                        <a:rPr kumimoji="1" lang="en-US" altLang="ja-JP" dirty="0"/>
+                        <a:t>4</a:t>
+                      </a:r>
+                      <a:endParaRPr kumimoji="1" lang="ja-JP" altLang="en-US"/>
+                    </a:p>
+                  </a:txBody>
+                  <a:tcPr/>
+                </a:tc>
+                <a:tc>
+                  <a:txBody>
+                    <a:bodyPr/>
+                    <a:lstStyle/>
+                    <a:p>
+                      <a:r>
+                        <a:rPr kumimoji="1" lang="en-US" altLang="ja-JP" dirty="0"/>
+                        <a:t>-4265</a:t>
+                      </a:r>
+                      <a:endParaRPr kumimoji="1" lang="ja-JP" altLang="en-US"/>
+                    </a:p>
+                  </a:txBody>
+                  <a:tcPr/>
+                </a:tc>
+                <a:tc>
+                  <a:txBody>
+                    <a:bodyPr/>
+                    <a:lstStyle/>
+                    <a:p>
+                      <a:r>
+                        <a:rPr kumimoji="1" lang="en-US" altLang="ja-JP" dirty="0"/>
+                        <a:t>-4449.2</a:t>
+                      </a:r>
+                      <a:endParaRPr kumimoji="1" lang="ja-JP" altLang="en-US"/>
+                    </a:p>
+                  </a:txBody>
+                  <a:tcPr/>
+                </a:tc>
+                <a:extLst>
+                  <a:ext uri="{0D108BD9-81ED-4DB2-BD59-A6C34878D82A}">
+                    <a16:rowId xmlns:a16="http://schemas.microsoft.com/office/drawing/2014/main" val="1234922379"/>
+                  </a:ext>
+                </a:extLst>
+              </a:tr>
+              <a:tr h="655040">
+                <a:tc>
+                  <a:txBody>
+                    <a:bodyPr/>
+                    <a:lstStyle/>
+                    <a:p>
+                      <a:r>
+                        <a:rPr kumimoji="1" lang="en-US" altLang="ja-JP" dirty="0"/>
+                        <a:t>6</a:t>
+                      </a:r>
+                      <a:endParaRPr kumimoji="1" lang="ja-JP" altLang="en-US"/>
+                    </a:p>
+                  </a:txBody>
+                  <a:tcPr/>
+                </a:tc>
+                <a:tc>
+                  <a:txBody>
+                    <a:bodyPr/>
+                    <a:lstStyle/>
+                    <a:p>
+                      <a:r>
+                        <a:rPr kumimoji="1" lang="en-US" altLang="ja-JP" dirty="0"/>
+                        <a:t>-4293</a:t>
+                      </a:r>
+                      <a:endParaRPr kumimoji="1" lang="ja-JP" altLang="en-US"/>
+                    </a:p>
+                  </a:txBody>
+                  <a:tcPr/>
+                </a:tc>
+                <a:tc>
+                  <a:txBody>
+                    <a:bodyPr/>
+                    <a:lstStyle/>
+                    <a:p>
+                      <a:r>
+                        <a:rPr kumimoji="1" lang="en-US" altLang="ja-JP" dirty="0"/>
+                        <a:t>-4449.2</a:t>
+                      </a:r>
+                      <a:endParaRPr kumimoji="1" lang="ja-JP" altLang="en-US"/>
+                    </a:p>
+                    <a:p>
+                      <a:endParaRPr kumimoji="1" lang="ja-JP" altLang="en-US"/>
+                    </a:p>
+                  </a:txBody>
+                  <a:tcPr/>
+                </a:tc>
+                <a:extLst>
+                  <a:ext uri="{0D108BD9-81ED-4DB2-BD59-A6C34878D82A}">
+                    <a16:rowId xmlns:a16="http://schemas.microsoft.com/office/drawing/2014/main" val="1799225169"/>
+                  </a:ext>
+                </a:extLst>
+              </a:tr>
+              <a:tr h="655040">
+                <a:tc>
+                  <a:txBody>
+                    <a:bodyPr/>
+                    <a:lstStyle/>
+                    <a:p>
+                      <a:r>
+                        <a:rPr kumimoji="1" lang="en-US" altLang="ja-JP" dirty="0"/>
+                        <a:t>8</a:t>
+                      </a:r>
+                      <a:endParaRPr kumimoji="1" lang="ja-JP" altLang="en-US"/>
+                    </a:p>
+                  </a:txBody>
+                  <a:tcPr/>
+                </a:tc>
+                <a:tc>
+                  <a:txBody>
+                    <a:bodyPr/>
+                    <a:lstStyle/>
+                    <a:p>
+                      <a:r>
+                        <a:rPr kumimoji="1" lang="en-US" altLang="ja-JP" dirty="0"/>
+                        <a:t>-4342</a:t>
+                      </a:r>
+                      <a:endParaRPr kumimoji="1" lang="ja-JP" altLang="en-US"/>
+                    </a:p>
+                  </a:txBody>
+                  <a:tcPr/>
+                </a:tc>
+                <a:tc>
+                  <a:txBody>
+                    <a:bodyPr/>
+                    <a:lstStyle/>
+                    <a:p>
+                      <a:r>
+                        <a:rPr kumimoji="1" lang="en-US" altLang="ja-JP" dirty="0"/>
+                        <a:t>-4449.2</a:t>
+                      </a:r>
+                      <a:endParaRPr kumimoji="1" lang="ja-JP" altLang="en-US"/>
+                    </a:p>
+                    <a:p>
+                      <a:endParaRPr kumimoji="1" lang="ja-JP" altLang="en-US"/>
+                    </a:p>
+                  </a:txBody>
+                  <a:tcPr/>
+                </a:tc>
+                <a:extLst>
+                  <a:ext uri="{0D108BD9-81ED-4DB2-BD59-A6C34878D82A}">
+                    <a16:rowId xmlns:a16="http://schemas.microsoft.com/office/drawing/2014/main" val="2760888045"/>
+                  </a:ext>
+                </a:extLst>
+              </a:tr>
+              <a:tr h="655040">
+                <a:tc>
+                  <a:txBody>
+                    <a:bodyPr/>
+                    <a:lstStyle/>
+                    <a:p>
+                      <a:r>
+                        <a:rPr kumimoji="1" lang="en-US" altLang="ja-JP" dirty="0"/>
+                        <a:t>30</a:t>
+                      </a:r>
+                      <a:endParaRPr kumimoji="1" lang="ja-JP" altLang="en-US"/>
+                    </a:p>
+                  </a:txBody>
+                  <a:tcPr/>
+                </a:tc>
+                <a:tc>
+                  <a:txBody>
+                    <a:bodyPr/>
+                    <a:lstStyle/>
+                    <a:p>
+                      <a:r>
+                        <a:rPr kumimoji="1" lang="en-US" altLang="ja-JP" dirty="0"/>
+                        <a:t>-4364</a:t>
+                      </a:r>
+                      <a:endParaRPr kumimoji="1" lang="ja-JP" altLang="en-US"/>
+                    </a:p>
+                  </a:txBody>
+                  <a:tcPr/>
+                </a:tc>
+                <a:tc>
+                  <a:txBody>
+                    <a:bodyPr/>
+                    <a:lstStyle/>
+                    <a:p>
+                      <a:r>
+                        <a:rPr kumimoji="1" lang="en-US" altLang="ja-JP" dirty="0"/>
+                        <a:t>-4449.2</a:t>
+                      </a:r>
+                      <a:endParaRPr kumimoji="1" lang="ja-JP" altLang="en-US"/>
+                    </a:p>
+                  </a:txBody>
+                  <a:tcPr/>
+                </a:tc>
+                <a:extLst>
+                  <a:ext uri="{0D108BD9-81ED-4DB2-BD59-A6C34878D82A}">
+                    <a16:rowId xmlns:a16="http://schemas.microsoft.com/office/drawing/2014/main" val="3037056467"/>
+                  </a:ext>
+                </a:extLst>
+              </a:tr>
+              <a:tr h="655040">
+                <a:tc>
+                  <a:txBody>
+                    <a:bodyPr/>
+                    <a:lstStyle/>
+                    <a:p>
+                      <a:r>
+                        <a:rPr kumimoji="1" lang="en-US" altLang="ja-JP" dirty="0"/>
+                        <a:t>239</a:t>
+                      </a:r>
+                      <a:endParaRPr kumimoji="1" lang="ja-JP" altLang="en-US"/>
+                    </a:p>
+                  </a:txBody>
+                  <a:tcPr/>
+                </a:tc>
+                <a:tc>
+                  <a:txBody>
+                    <a:bodyPr/>
+                    <a:lstStyle/>
+                    <a:p>
+                      <a:r>
+                        <a:rPr kumimoji="1" lang="en-US" altLang="ja-JP"/>
+                        <a:t>-4384</a:t>
+                      </a:r>
+                      <a:endParaRPr kumimoji="1" lang="ja-JP" altLang="en-US"/>
+                    </a:p>
+                  </a:txBody>
+                  <a:tcPr/>
+                </a:tc>
+                <a:tc>
+                  <a:txBody>
+                    <a:bodyPr/>
+                    <a:lstStyle/>
+                    <a:p>
+                      <a:r>
+                        <a:rPr kumimoji="1" lang="en-US" altLang="ja-JP" dirty="0"/>
+                        <a:t>-4449.2</a:t>
+                      </a:r>
+                      <a:endParaRPr kumimoji="1" lang="ja-JP" altLang="en-US"/>
+                    </a:p>
+                  </a:txBody>
+                  <a:tcPr/>
+                </a:tc>
+                <a:extLst>
+                  <a:ext uri="{0D108BD9-81ED-4DB2-BD59-A6C34878D82A}">
+                    <a16:rowId xmlns:a16="http://schemas.microsoft.com/office/drawing/2014/main" val="3263844414"/>
+                  </a:ext>
+                </a:extLst>
+              </a:tr>
+            </a:tbl>
+          </a:graphicData>
+        </a:graphic>
+      </p:graphicFrame>
+    </p:spTree>
+    <p:extLst>
+      <p:ext uri="{BB962C8B-B14F-4D97-AF65-F5344CB8AC3E}">
+        <p14:creationId xmlns:p14="http://schemas.microsoft.com/office/powerpoint/2010/main" val="3511964259"/>
+      </p:ext>
+    </p:extLst>
+  </p:cSld>
+  <p:clrMapOvr>
+    <a:masterClrMapping/>
+  </p:clrMapOvr>
+</p:sld>
+</file>
+
+<file path=ppt/slides/slide8.xml><?xml version="1.0" encoding="utf-8"?>
+<p:sld xmlns:a="http://schemas.openxmlformats.org/drawingml/2006/main" xmlns:r="http://schemas.openxmlformats.org/officeDocument/2006/relationships" xmlns:p="http://schemas.openxmlformats.org/presentationml/2006/main">
+  <p:cSld>
+    <p:spTree>
+      <p:nvGrpSpPr>
+        <p:cNvPr id="1" name=""/>
+        <p:cNvGrpSpPr/>
+        <p:nvPr/>
+      </p:nvGrpSpPr>
+      <p:grpSpPr>
+        <a:xfrm>
+          <a:off x="0" y="0"/>
+          <a:ext cx="0" cy="0"/>
+          <a:chOff x="0" y="0"/>
+          <a:chExt cx="0" cy="0"/>
+        </a:xfrm>
+      </p:grpSpPr>
+      <p:sp>
+        <p:nvSpPr>
+          <p:cNvPr id="3" name="1つの角を切り取り、1つの角を丸めた四角形 2">
+            <a:extLst>
+              <a:ext uri="{FF2B5EF4-FFF2-40B4-BE49-F238E27FC236}">
+                <a16:creationId xmlns:a16="http://schemas.microsoft.com/office/drawing/2014/main" id="{A9D58606-EADB-8547-AFD9-49E5E2A4A1FF}"/>
+              </a:ext>
+            </a:extLst>
+          </p:cNvPr>
+          <p:cNvSpPr/>
+          <p:nvPr/>
+        </p:nvSpPr>
+        <p:spPr>
+          <a:xfrm>
+            <a:off x="11547230" y="6338220"/>
+            <a:ext cx="644767" cy="524114"/>
+          </a:xfrm>
+          <a:prstGeom prst="snipRoundRect">
+            <a:avLst>
+              <a:gd name="adj1" fmla="val 50000"/>
+              <a:gd name="adj2" fmla="val 0"/>
+            </a:avLst>
+          </a:prstGeom>
+          <a:solidFill>
+            <a:schemeClr val="accent6">
+              <a:lumMod val="75000"/>
+            </a:schemeClr>
+          </a:solidFill>
+          <a:ln>
+            <a:noFill/>
+          </a:ln>
+        </p:spPr>
+        <p:style>
+          <a:lnRef idx="2">
+            <a:schemeClr val="accent1">
+              <a:shade val="50000"/>
+            </a:schemeClr>
+          </a:lnRef>
+          <a:fillRef idx="1">
+            <a:schemeClr val="accent1"/>
+          </a:fillRef>
+          <a:effectRef idx="0">
+            <a:schemeClr val="accent1"/>
+          </a:effectRef>
+          <a:fontRef idx="minor">
+            <a:schemeClr val="lt1"/>
+          </a:fontRef>
+        </p:style>
+        <p:txBody>
+          <a:bodyPr rtlCol="0" anchor="ctr"/>
+          <a:lstStyle/>
+          <a:p>
+            <a:pPr marL="0" marR="0" lvl="0" indent="0" algn="ctr" defTabSz="914400" rtl="0" eaLnBrk="1" fontAlgn="auto" latinLnBrk="0" hangingPunct="1">
+              <a:lnSpc>
+                <a:spcPct val="100000"/>
+              </a:lnSpc>
+              <a:spcBef>
+                <a:spcPts val="0"/>
+              </a:spcBef>
+              <a:spcAft>
+                <a:spcPts val="0"/>
+              </a:spcAft>
+              <a:buClrTx/>
+              <a:buSzTx/>
+              <a:buFontTx/>
+              <a:buNone/>
+              <a:tabLst/>
+              <a:defRPr/>
+            </a:pPr>
+            <a:endParaRPr kumimoji="1" lang="ja-JP" altLang="en-US" sz="1800" b="0" i="0" u="none" strike="noStrike" kern="1200" cap="none" spc="0" normalizeH="0" baseline="0" noProof="0">
+              <a:ln>
+                <a:noFill/>
+              </a:ln>
+              <a:solidFill>
+                <a:prstClr val="white"/>
+              </a:solidFill>
+              <a:effectLst/>
+              <a:uLnTx/>
+              <a:uFillTx/>
+              <a:latin typeface="游ゴシック" panose="020F0502020204030204"/>
+              <a:ea typeface="游ゴシック" panose="020B0400000000000000" pitchFamily="34" charset="-128"/>
+              <a:cs typeface="+mn-cs"/>
+            </a:endParaRPr>
+          </a:p>
+        </p:txBody>
+      </p:sp>
+      <p:sp>
+        <p:nvSpPr>
+          <p:cNvPr id="6" name="正方形/長方形 5">
+            <a:extLst>
+              <a:ext uri="{FF2B5EF4-FFF2-40B4-BE49-F238E27FC236}">
+                <a16:creationId xmlns:a16="http://schemas.microsoft.com/office/drawing/2014/main" id="{9139BD5E-A769-0544-BF63-CDFC1B152C93}"/>
+              </a:ext>
+            </a:extLst>
+          </p:cNvPr>
+          <p:cNvSpPr/>
+          <p:nvPr/>
+        </p:nvSpPr>
+        <p:spPr>
+          <a:xfrm>
+            <a:off x="11693624" y="6369444"/>
+            <a:ext cx="375424" cy="461665"/>
+          </a:xfrm>
+          <a:prstGeom prst="rect">
+            <a:avLst/>
+          </a:prstGeom>
+        </p:spPr>
+        <p:txBody>
+          <a:bodyPr wrap="none">
+            <a:spAutoFit/>
+          </a:bodyPr>
+          <a:lstStyle/>
+          <a:p>
+            <a:pPr marL="0" marR="0" lvl="0" indent="0" algn="ctr" defTabSz="914400" rtl="0" eaLnBrk="1" fontAlgn="auto" latinLnBrk="0" hangingPunct="1">
+              <a:lnSpc>
+                <a:spcPct val="100000"/>
+              </a:lnSpc>
+              <a:spcBef>
+                <a:spcPts val="0"/>
+              </a:spcBef>
+              <a:spcAft>
+                <a:spcPts val="0"/>
+              </a:spcAft>
+              <a:buClrTx/>
+              <a:buSzTx/>
+              <a:buFontTx/>
+              <a:buNone/>
+              <a:tabLst/>
+              <a:defRPr/>
+            </a:pPr>
+            <a:fld id="{19B51A1E-902D-48AF-9020-955120F399B6}" type="slidenum">
+              <a:rPr kumimoji="1" lang="en-US" altLang="ja-JP" sz="2400" b="0" i="0" u="none" strike="noStrike" kern="1200" cap="none" spc="0" normalizeH="0" baseline="0" noProof="0" smtClean="0">
+                <a:ln w="10160">
+                  <a:solidFill>
+                    <a:srgbClr val="4472C4">
+                      <a:lumMod val="20000"/>
+                      <a:lumOff val="80000"/>
+                    </a:srgbClr>
+                  </a:solidFill>
+                  <a:prstDash val="solid"/>
+                </a:ln>
+                <a:solidFill>
+                  <a:srgbClr val="FFFFFF"/>
+                </a:solidFill>
+                <a:effectLst>
+                  <a:outerShdw blurRad="38100" dist="22860" dir="5400000" algn="tl" rotWithShape="0">
+                    <a:srgbClr val="000000">
+                      <a:alpha val="30000"/>
+                    </a:srgbClr>
+                  </a:outerShdw>
+                </a:effectLst>
+                <a:uLnTx/>
+                <a:uFillTx/>
+                <a:latin typeface="Meiryo UI" panose="020B0604030504040204" pitchFamily="50" charset="-128"/>
+                <a:ea typeface="Meiryo UI" panose="020B0604030504040204" pitchFamily="50" charset="-128"/>
+                <a:cs typeface="+mn-cs"/>
+              </a:rPr>
+              <a:pPr marL="0" marR="0" lvl="0" indent="0" algn="ctr" defTabSz="914400" rtl="0" eaLnBrk="1" fontAlgn="auto" latinLnBrk="0" hangingPunct="1">
+                <a:lnSpc>
+                  <a:spcPct val="100000"/>
+                </a:lnSpc>
+                <a:spcBef>
+                  <a:spcPts val="0"/>
+                </a:spcBef>
+                <a:spcAft>
+                  <a:spcPts val="0"/>
+                </a:spcAft>
+                <a:buClrTx/>
+                <a:buSzTx/>
+                <a:buFontTx/>
+                <a:buNone/>
+                <a:tabLst/>
+                <a:defRPr/>
+              </a:pPr>
+              <a:t>8</a:t>
+            </a:fld>
+            <a:endParaRPr kumimoji="1" lang="ja-JP" altLang="en-US" sz="2400" b="0" i="0" u="none" strike="noStrike" kern="1200" cap="none" spc="0" normalizeH="0" baseline="0" noProof="0" dirty="0">
+              <a:ln w="10160">
+                <a:solidFill>
+                  <a:srgbClr val="4472C4">
+                    <a:lumMod val="20000"/>
+                    <a:lumOff val="80000"/>
+                  </a:srgbClr>
+                </a:solidFill>
+                <a:prstDash val="solid"/>
+              </a:ln>
+              <a:solidFill>
+                <a:srgbClr val="FFFFFF"/>
+              </a:solidFill>
+              <a:effectLst>
+                <a:outerShdw blurRad="38100" dist="22860" dir="5400000" algn="tl" rotWithShape="0">
+                  <a:srgbClr val="000000">
+                    <a:alpha val="30000"/>
+                  </a:srgbClr>
+                </a:outerShdw>
+              </a:effectLst>
+              <a:uLnTx/>
+              <a:uFillTx/>
+              <a:latin typeface="Meiryo UI" panose="020B0604030504040204" pitchFamily="50" charset="-128"/>
+              <a:ea typeface="Meiryo UI" panose="020B0604030504040204" pitchFamily="50" charset="-128"/>
+              <a:cs typeface="+mn-cs"/>
+            </a:endParaRPr>
+          </a:p>
+        </p:txBody>
+      </p:sp>
+      <p:pic>
+        <p:nvPicPr>
+          <p:cNvPr id="35" name="図 34">
+            <a:extLst>
+              <a:ext uri="{FF2B5EF4-FFF2-40B4-BE49-F238E27FC236}">
+                <a16:creationId xmlns:a16="http://schemas.microsoft.com/office/drawing/2014/main" id="{39ED5C20-E89F-7342-BAD7-87C73EFBF3CB}"/>
+              </a:ext>
+            </a:extLst>
+          </p:cNvPr>
+          <p:cNvPicPr>
+            <a:picLocks noChangeAspect="1"/>
+          </p:cNvPicPr>
+          <p:nvPr/>
+        </p:nvPicPr>
+        <p:blipFill rotWithShape="1">
+          <a:blip r:embed="rId3"/>
+          <a:srcRect t="11225" b="13265"/>
+          <a:stretch/>
+        </p:blipFill>
+        <p:spPr>
+          <a:xfrm>
+            <a:off x="10739012" y="298221"/>
+            <a:ext cx="1330036" cy="1004315"/>
+          </a:xfrm>
+          <a:prstGeom prst="rect">
+            <a:avLst/>
+          </a:prstGeom>
+        </p:spPr>
+      </p:pic>
+      <p:sp>
+        <p:nvSpPr>
+          <p:cNvPr id="10" name="正方形/長方形 9">
+            <a:extLst>
+              <a:ext uri="{FF2B5EF4-FFF2-40B4-BE49-F238E27FC236}">
+                <a16:creationId xmlns:a16="http://schemas.microsoft.com/office/drawing/2014/main" id="{06329157-E1DB-854A-A487-914C6BE2287C}"/>
+              </a:ext>
+            </a:extLst>
+          </p:cNvPr>
+          <p:cNvSpPr/>
+          <p:nvPr/>
+        </p:nvSpPr>
+        <p:spPr>
+          <a:xfrm>
+            <a:off x="1094282" y="717761"/>
+            <a:ext cx="9007594" cy="584775"/>
+          </a:xfrm>
+          <a:prstGeom prst="rect">
+            <a:avLst/>
+          </a:prstGeom>
+        </p:spPr>
+        <p:txBody>
+          <a:bodyPr wrap="none">
+            <a:spAutoFit/>
+          </a:bodyPr>
+          <a:lstStyle/>
+          <a:p>
+            <a:pPr marL="0" marR="0" lvl="0" indent="0" algn="l" defTabSz="914400" rtl="0" eaLnBrk="1" fontAlgn="auto" latinLnBrk="0" hangingPunct="1">
+              <a:lnSpc>
+                <a:spcPct val="100000"/>
+              </a:lnSpc>
+              <a:spcBef>
+                <a:spcPts val="0"/>
+              </a:spcBef>
+              <a:spcAft>
+                <a:spcPts val="0"/>
+              </a:spcAft>
+              <a:buClrTx/>
+              <a:buSzTx/>
+              <a:buFontTx/>
+              <a:buNone/>
+              <a:tabLst/>
+              <a:defRPr/>
+            </a:pPr>
+            <a:r>
+              <a:rPr kumimoji="1" lang="ja-JP" altLang="en-US" sz="3200" b="0" i="0" u="none" strike="noStrike" kern="1200" cap="none" spc="0" normalizeH="0" baseline="0" noProof="0">
+                <a:ln>
+                  <a:noFill/>
+                </a:ln>
+                <a:solidFill>
+                  <a:srgbClr val="002060"/>
+                </a:solidFill>
+                <a:effectLst/>
+                <a:uLnTx/>
+                <a:uFillTx/>
+                <a:latin typeface="MS Gothic" panose="020B0609070205080204" pitchFamily="49" charset="-128"/>
+                <a:ea typeface="MS Gothic" panose="020B0609070205080204" pitchFamily="49" charset="-128"/>
+                <a:cs typeface="+mn-cs"/>
+              </a:rPr>
+              <a:t>モデル</a:t>
+            </a:r>
+            <a:r>
+              <a:rPr lang="en-US" altLang="ja-JP" sz="3200" dirty="0">
+                <a:solidFill>
+                  <a:srgbClr val="002060"/>
+                </a:solidFill>
+                <a:latin typeface="MS Gothic" panose="020B0609070205080204" pitchFamily="49" charset="-128"/>
+                <a:ea typeface="MS Gothic" panose="020B0609070205080204" pitchFamily="49" charset="-128"/>
+              </a:rPr>
+              <a:t>2</a:t>
+            </a:r>
+            <a:r>
+              <a:rPr lang="ja-JP" altLang="en-US" sz="3200">
+                <a:solidFill>
+                  <a:srgbClr val="002060"/>
+                </a:solidFill>
+                <a:latin typeface="MS Gothic" panose="020B0609070205080204" pitchFamily="49" charset="-128"/>
+                <a:ea typeface="MS Gothic" panose="020B0609070205080204" pitchFamily="49" charset="-128"/>
+              </a:rPr>
+              <a:t>の</a:t>
+            </a:r>
+            <a:r>
+              <a:rPr kumimoji="1" lang="ja-JP" altLang="en-US" sz="3200" b="0" i="0" u="none" strike="noStrike" kern="1200" cap="none" spc="0" normalizeH="0" baseline="0" noProof="0">
+                <a:ln>
+                  <a:noFill/>
+                </a:ln>
+                <a:solidFill>
+                  <a:srgbClr val="002060"/>
+                </a:solidFill>
+                <a:effectLst/>
+                <a:uLnTx/>
+                <a:uFillTx/>
+                <a:latin typeface="MS Gothic" panose="020B0609070205080204" pitchFamily="49" charset="-128"/>
+                <a:ea typeface="MS Gothic" panose="020B0609070205080204" pitchFamily="49" charset="-128"/>
+                <a:cs typeface="+mn-cs"/>
+              </a:rPr>
+              <a:t>高さ制約を考慮した際の性能に関して</a:t>
+            </a:r>
+          </a:p>
+        </p:txBody>
+      </p:sp>
+      <p:sp>
+        <p:nvSpPr>
+          <p:cNvPr id="4" name="テキスト ボックス 3">
+            <a:extLst>
+              <a:ext uri="{FF2B5EF4-FFF2-40B4-BE49-F238E27FC236}">
+                <a16:creationId xmlns:a16="http://schemas.microsoft.com/office/drawing/2014/main" id="{9B94F252-A9BC-7545-95CF-98415A18C021}"/>
+              </a:ext>
+            </a:extLst>
+          </p:cNvPr>
+          <p:cNvSpPr txBox="1"/>
+          <p:nvPr/>
+        </p:nvSpPr>
+        <p:spPr>
+          <a:xfrm>
+            <a:off x="1094282" y="1843790"/>
+            <a:ext cx="9024079" cy="3909917"/>
+          </a:xfrm>
+          <a:prstGeom prst="rect">
+            <a:avLst/>
+          </a:prstGeom>
+          <a:noFill/>
+        </p:spPr>
+        <p:txBody>
+          <a:bodyPr wrap="square" rtlCol="0">
+            <a:spAutoFit/>
+          </a:bodyPr>
+          <a:lstStyle/>
+          <a:p>
+            <a:pPr marL="457200" indent="-457200">
+              <a:lnSpc>
+                <a:spcPct val="150000"/>
+              </a:lnSpc>
+              <a:buFont typeface="Arial" panose="020B0604020202020204" pitchFamily="34" charset="0"/>
+              <a:buChar char="•"/>
+            </a:pPr>
+            <a:r>
+              <a:rPr lang="ja-JP" altLang="en-US" sz="2800"/>
+              <a:t>高さ制約を考慮した場合では，実行可能解が出るまでに計算時間に違いは見られなかった</a:t>
+            </a:r>
+            <a:endParaRPr lang="en-US" altLang="ja-JP" sz="2800" dirty="0"/>
+          </a:p>
+          <a:p>
+            <a:pPr marL="457200" indent="-457200">
+              <a:lnSpc>
+                <a:spcPct val="150000"/>
+              </a:lnSpc>
+              <a:buFont typeface="Arial" panose="020B0604020202020204" pitchFamily="34" charset="0"/>
+              <a:buChar char="•"/>
+            </a:pPr>
+            <a:r>
+              <a:rPr lang="ja-JP" altLang="en-US" sz="2800"/>
+              <a:t>高さ制約がない場合の解と同等の解を探索するのにも計算時間に違いは見られなかった</a:t>
+            </a:r>
+            <a:endParaRPr lang="en-US" altLang="ja-JP" sz="2800" dirty="0"/>
+          </a:p>
+          <a:p>
+            <a:pPr marL="457200" indent="-457200">
+              <a:lnSpc>
+                <a:spcPct val="150000"/>
+              </a:lnSpc>
+              <a:buFont typeface="Arial" panose="020B0604020202020204" pitchFamily="34" charset="0"/>
+              <a:buChar char="•"/>
+            </a:pPr>
+            <a:r>
+              <a:rPr lang="ja-JP" altLang="en-US" sz="2800"/>
+              <a:t>モデル</a:t>
+            </a:r>
+            <a:r>
+              <a:rPr lang="en-US" altLang="ja-JP" sz="2800" dirty="0"/>
+              <a:t>1-2</a:t>
+            </a:r>
+            <a:r>
+              <a:rPr lang="ja-JP" altLang="en-US" sz="2800"/>
+              <a:t>と違い，高さ制約を考慮しても計算時間の増加はあまり見られなかった</a:t>
+            </a:r>
+            <a:endParaRPr lang="en-US" altLang="ja-JP" sz="2800" dirty="0"/>
+          </a:p>
+        </p:txBody>
+      </p:sp>
+    </p:spTree>
+    <p:extLst>
+      <p:ext uri="{BB962C8B-B14F-4D97-AF65-F5344CB8AC3E}">
+        <p14:creationId xmlns:p14="http://schemas.microsoft.com/office/powerpoint/2010/main" val="3376242117"/>
+      </p:ext>
+    </p:extLst>
+  </p:cSld>
+  <p:clrMapOvr>
+    <a:masterClrMapping/>
+  </p:clrMapOvr>
+</p:sld>
+</file>
+
+<file path=ppt/slides/slide9.xml><?xml version="1.0" encoding="utf-8"?>
+<p:sld xmlns:a="http://schemas.openxmlformats.org/drawingml/2006/main" xmlns:r="http://schemas.openxmlformats.org/officeDocument/2006/relationships" xmlns:p="http://schemas.openxmlformats.org/presentationml/2006/main">
+  <p:cSld>
+    <p:spTree>
+      <p:nvGrpSpPr>
+        <p:cNvPr id="1" name=""/>
+        <p:cNvGrpSpPr/>
+        <p:nvPr/>
+      </p:nvGrpSpPr>
+      <p:grpSpPr>
+        <a:xfrm>
+          <a:off x="0" y="0"/>
+          <a:ext cx="0" cy="0"/>
+          <a:chOff x="0" y="0"/>
+          <a:chExt cx="0" cy="0"/>
+        </a:xfrm>
+      </p:grpSpPr>
+      <p:sp>
+        <p:nvSpPr>
+          <p:cNvPr id="3" name="1つの角を切り取り、1つの角を丸めた四角形 2">
+            <a:extLst>
+              <a:ext uri="{FF2B5EF4-FFF2-40B4-BE49-F238E27FC236}">
+                <a16:creationId xmlns:a16="http://schemas.microsoft.com/office/drawing/2014/main" id="{A9D58606-EADB-8547-AFD9-49E5E2A4A1FF}"/>
+              </a:ext>
+            </a:extLst>
+          </p:cNvPr>
+          <p:cNvSpPr/>
+          <p:nvPr/>
+        </p:nvSpPr>
+        <p:spPr>
+          <a:xfrm>
+            <a:off x="11547230" y="6338220"/>
+            <a:ext cx="644767" cy="524114"/>
+          </a:xfrm>
+          <a:prstGeom prst="snipRoundRect">
+            <a:avLst>
+              <a:gd name="adj1" fmla="val 50000"/>
+              <a:gd name="adj2" fmla="val 0"/>
+            </a:avLst>
+          </a:prstGeom>
+          <a:solidFill>
+            <a:schemeClr val="accent6">
+              <a:lumMod val="75000"/>
+            </a:schemeClr>
+          </a:solidFill>
+          <a:ln>
+            <a:noFill/>
+          </a:ln>
+        </p:spPr>
+        <p:style>
+          <a:lnRef idx="2">
+            <a:schemeClr val="accent1">
+              <a:shade val="50000"/>
+            </a:schemeClr>
+          </a:lnRef>
+          <a:fillRef idx="1">
+            <a:schemeClr val="accent1"/>
+          </a:fillRef>
+          <a:effectRef idx="0">
+            <a:schemeClr val="accent1"/>
+          </a:effectRef>
+          <a:fontRef idx="minor">
+            <a:schemeClr val="lt1"/>
+          </a:fontRef>
+        </p:style>
+        <p:txBody>
+          <a:bodyPr rtlCol="0" anchor="ctr"/>
+          <a:lstStyle/>
+          <a:p>
             <a:pPr algn="ctr"/>
             <a:endParaRPr kumimoji="1" lang="ja-JP" altLang="en-US"/>
           </a:p>
@@ -7318,7 +9376,7 @@
                 <a:ea typeface="Meiryo UI" panose="020B0604030504040204" pitchFamily="50" charset="-128"/>
               </a:rPr>
               <a:pPr algn="ctr"/>
-              <a:t>6</a:t>
+              <a:t>9</a:t>
             </a:fld>
             <a:endParaRPr lang="ja-JP" altLang="en-US" sz="2400" dirty="0">
               <a:ln w="10160">
@@ -7412,54 +9470,6 @@
               </a:rPr>
               <a:t>今後に向けて</a:t>
             </a:r>
-          </a:p>
-        </p:txBody>
-      </p:sp>
-      <p:sp>
-        <p:nvSpPr>
-          <p:cNvPr id="9" name="テキスト ボックス 8">
-            <a:extLst>
-              <a:ext uri="{FF2B5EF4-FFF2-40B4-BE49-F238E27FC236}">
-                <a16:creationId xmlns:a16="http://schemas.microsoft.com/office/drawing/2014/main" id="{9E1D1259-A71A-C54D-A817-D5231A336DF1}"/>
-              </a:ext>
-            </a:extLst>
-          </p:cNvPr>
-          <p:cNvSpPr txBox="1"/>
-          <p:nvPr/>
-        </p:nvSpPr>
-        <p:spPr>
-          <a:xfrm>
-            <a:off x="856362" y="931242"/>
-            <a:ext cx="5426051" cy="584775"/>
-          </a:xfrm>
-          <a:prstGeom prst="rect">
-            <a:avLst/>
-          </a:prstGeom>
-          <a:noFill/>
-        </p:spPr>
-        <p:txBody>
-          <a:bodyPr wrap="square" rtlCol="0">
-            <a:spAutoFit/>
-          </a:bodyPr>
-          <a:lstStyle/>
-          <a:p>
-            <a:r>
-              <a:rPr lang="ja-JP" altLang="en-US" sz="3200">
-                <a:solidFill>
-                  <a:srgbClr val="7030A0"/>
-                </a:solidFill>
-                <a:latin typeface="MS Gothic" panose="020B0609070205080204" pitchFamily="49" charset="-128"/>
-                <a:ea typeface="MS Gothic" panose="020B0609070205080204" pitchFamily="49" charset="-128"/>
-              </a:rPr>
-              <a:t>今後スケジュール</a:t>
-            </a:r>
-            <a:endParaRPr lang="en-US" altLang="ja-JP" sz="3200" dirty="0">
-              <a:solidFill>
-                <a:srgbClr val="7030A0"/>
-              </a:solidFill>
-              <a:latin typeface="MS Gothic" panose="020B0609070205080204" pitchFamily="49" charset="-128"/>
-              <a:ea typeface="MS Gothic" panose="020B0609070205080204" pitchFamily="49" charset="-128"/>
-            </a:endParaRPr>
           </a:p>
         </p:txBody>
       </p:sp>

--- a/高さ制約に関する比較.pptx
+++ b/高さ制約に関する比較.pptx
@@ -232,7 +232,7 @@
           <a:p>
             <a:fld id="{52FBD56B-6EF8-C343-87F2-73A38378D77B}" type="datetimeFigureOut">
               <a:rPr kumimoji="1" lang="ja-JP" altLang="en-US" smtClean="0"/>
-              <a:t>2021/3/5</a:t>
+              <a:t>2021/3/11</a:t>
             </a:fld>
             <a:endParaRPr kumimoji="1" lang="ja-JP" altLang="en-US"/>
           </a:p>
@@ -409,7 +409,7 @@
           <a:p>
             <a:fld id="{AA6358A0-4278-0944-B5E6-8965AA51C9EA}" type="datetimeFigureOut">
               <a:rPr kumimoji="1" lang="ja-JP" altLang="en-US" smtClean="0"/>
-              <a:t>2021/3/5</a:t>
+              <a:t>2021/3/11</a:t>
             </a:fld>
             <a:endParaRPr kumimoji="1" lang="ja-JP" altLang="en-US"/>
           </a:p>
@@ -1449,7 +1449,7 @@
           <a:p>
             <a:fld id="{B6B3AC59-2A0A-5543-AC3C-3E34A18A7C20}" type="datetimeFigureOut">
               <a:rPr kumimoji="1" lang="ja-JP" altLang="en-US" smtClean="0"/>
-              <a:t>2021/3/5</a:t>
+              <a:t>2021/3/11</a:t>
             </a:fld>
             <a:endParaRPr kumimoji="1" lang="ja-JP" altLang="en-US"/>
           </a:p>
@@ -1654,7 +1654,7 @@
           <a:p>
             <a:fld id="{B6B3AC59-2A0A-5543-AC3C-3E34A18A7C20}" type="datetimeFigureOut">
               <a:rPr kumimoji="1" lang="ja-JP" altLang="en-US" smtClean="0"/>
-              <a:t>2021/3/5</a:t>
+              <a:t>2021/3/11</a:t>
             </a:fld>
             <a:endParaRPr kumimoji="1" lang="ja-JP" altLang="en-US"/>
           </a:p>
@@ -1869,7 +1869,7 @@
           <a:p>
             <a:fld id="{B6B3AC59-2A0A-5543-AC3C-3E34A18A7C20}" type="datetimeFigureOut">
               <a:rPr kumimoji="1" lang="ja-JP" altLang="en-US" smtClean="0"/>
-              <a:t>2021/3/5</a:t>
+              <a:t>2021/3/11</a:t>
             </a:fld>
             <a:endParaRPr kumimoji="1" lang="ja-JP" altLang="en-US"/>
           </a:p>
@@ -2074,7 +2074,7 @@
           <a:p>
             <a:fld id="{B6B3AC59-2A0A-5543-AC3C-3E34A18A7C20}" type="datetimeFigureOut">
               <a:rPr kumimoji="1" lang="ja-JP" altLang="en-US" smtClean="0"/>
-              <a:t>2021/3/5</a:t>
+              <a:t>2021/3/11</a:t>
             </a:fld>
             <a:endParaRPr kumimoji="1" lang="ja-JP" altLang="en-US"/>
           </a:p>
@@ -2384,7 +2384,7 @@
           <a:p>
             <a:fld id="{B6B3AC59-2A0A-5543-AC3C-3E34A18A7C20}" type="datetimeFigureOut">
               <a:rPr kumimoji="1" lang="ja-JP" altLang="en-US" smtClean="0"/>
-              <a:t>2021/3/5</a:t>
+              <a:t>2021/3/11</a:t>
             </a:fld>
             <a:endParaRPr kumimoji="1" lang="ja-JP" altLang="en-US"/>
           </a:p>
@@ -2663,7 +2663,7 @@
           <a:p>
             <a:fld id="{B6B3AC59-2A0A-5543-AC3C-3E34A18A7C20}" type="datetimeFigureOut">
               <a:rPr kumimoji="1" lang="ja-JP" altLang="en-US" smtClean="0"/>
-              <a:t>2021/3/5</a:t>
+              <a:t>2021/3/11</a:t>
             </a:fld>
             <a:endParaRPr kumimoji="1" lang="ja-JP" altLang="en-US"/>
           </a:p>
@@ -3159,7 +3159,7 @@
           <a:p>
             <a:fld id="{B6B3AC59-2A0A-5543-AC3C-3E34A18A7C20}" type="datetimeFigureOut">
               <a:rPr kumimoji="1" lang="ja-JP" altLang="en-US" smtClean="0"/>
-              <a:t>2021/3/5</a:t>
+              <a:t>2021/3/11</a:t>
             </a:fld>
             <a:endParaRPr kumimoji="1" lang="ja-JP" altLang="en-US"/>
           </a:p>
@@ -3300,7 +3300,7 @@
           <a:p>
             <a:fld id="{B6B3AC59-2A0A-5543-AC3C-3E34A18A7C20}" type="datetimeFigureOut">
               <a:rPr kumimoji="1" lang="ja-JP" altLang="en-US" smtClean="0"/>
-              <a:t>2021/3/5</a:t>
+              <a:t>2021/3/11</a:t>
             </a:fld>
             <a:endParaRPr kumimoji="1" lang="ja-JP" altLang="en-US"/>
           </a:p>
@@ -3413,7 +3413,7 @@
           <a:p>
             <a:fld id="{B6B3AC59-2A0A-5543-AC3C-3E34A18A7C20}" type="datetimeFigureOut">
               <a:rPr kumimoji="1" lang="ja-JP" altLang="en-US" smtClean="0"/>
-              <a:t>2021/3/5</a:t>
+              <a:t>2021/3/11</a:t>
             </a:fld>
             <a:endParaRPr kumimoji="1" lang="ja-JP" altLang="en-US"/>
           </a:p>
@@ -3766,7 +3766,7 @@
           <a:p>
             <a:fld id="{B6B3AC59-2A0A-5543-AC3C-3E34A18A7C20}" type="datetimeFigureOut">
               <a:rPr kumimoji="1" lang="ja-JP" altLang="en-US" smtClean="0"/>
-              <a:t>2021/3/5</a:t>
+              <a:t>2021/3/11</a:t>
             </a:fld>
             <a:endParaRPr kumimoji="1" lang="ja-JP" altLang="en-US"/>
           </a:p>
@@ -4089,7 +4089,7 @@
           <a:p>
             <a:fld id="{B6B3AC59-2A0A-5543-AC3C-3E34A18A7C20}" type="datetimeFigureOut">
               <a:rPr kumimoji="1" lang="ja-JP" altLang="en-US" smtClean="0"/>
-              <a:t>2021/3/5</a:t>
+              <a:t>2021/3/11</a:t>
             </a:fld>
             <a:endParaRPr kumimoji="1" lang="ja-JP" altLang="en-US"/>
           </a:p>
@@ -4337,7 +4337,7 @@
           <a:p>
             <a:fld id="{B6B3AC59-2A0A-5543-AC3C-3E34A18A7C20}" type="datetimeFigureOut">
               <a:rPr kumimoji="1" lang="ja-JP" altLang="en-US" smtClean="0"/>
-              <a:t>2021/3/5</a:t>
+              <a:t>2021/3/11</a:t>
             </a:fld>
             <a:endParaRPr kumimoji="1" lang="ja-JP" altLang="en-US"/>
           </a:p>
@@ -5899,8 +5899,8 @@
         </p:nvSpPr>
         <p:spPr>
           <a:xfrm>
-            <a:off x="1094282" y="1843790"/>
-            <a:ext cx="9024079" cy="3700628"/>
+            <a:off x="1094282" y="1606986"/>
+            <a:ext cx="9024079" cy="4993290"/>
           </a:xfrm>
           <a:prstGeom prst="rect">
             <a:avLst/>
@@ -5960,15 +5960,7 @@
             </a:pPr>
             <a:r>
               <a:rPr lang="ja-JP" altLang="en-US" sz="2800"/>
-              <a:t>小さい問題例では良いプランニングが得られたモデル</a:t>
-            </a:r>
-            <a:r>
-              <a:rPr lang="en-US" altLang="ja-JP" sz="2800" dirty="0"/>
-              <a:t>1-2</a:t>
-            </a:r>
-            <a:r>
-              <a:rPr lang="ja-JP" altLang="en-US" sz="2800"/>
-              <a:t>で実験を行った</a:t>
+              <a:t>小さい問題例では良いプランニングが得られたモデルで実験を行った</a:t>
             </a:r>
             <a:endParaRPr lang="en-US" altLang="ja-JP" sz="2800" dirty="0"/>
           </a:p>
@@ -5982,7 +5974,7 @@
             </a:pPr>
             <a:r>
               <a:rPr lang="ja-JP" altLang="en-US" sz="2800"/>
-              <a:t>扱う問題例は，総積載量 </a:t>
+              <a:t>扱う運搬船は，総積載量 </a:t>
             </a:r>
             <a:r>
               <a:rPr lang="en-US" altLang="ja-JP" sz="2800" dirty="0"/>
@@ -6002,7 +5994,45 @@
             </a:r>
             <a:r>
               <a:rPr lang="ja-JP" altLang="en-US" sz="2800"/>
-              <a:t>階構造の船を対象とした </a:t>
+              <a:t>階構造の船を対象とした．</a:t>
+            </a:r>
+            <a:endParaRPr lang="en-US" altLang="ja-JP" sz="2800" dirty="0"/>
+          </a:p>
+          <a:p>
+            <a:pPr marL="457200" indent="-457200">
+              <a:lnSpc>
+                <a:spcPct val="150000"/>
+              </a:lnSpc>
+              <a:buFont typeface="Arial" panose="020B0604020202020204" pitchFamily="34" charset="0"/>
+              <a:buChar char="•"/>
+            </a:pPr>
+            <a:r>
+              <a:rPr lang="ja-JP" altLang="en-US" sz="2800"/>
+              <a:t>ブッキングは</a:t>
+            </a:r>
+            <a:r>
+              <a:rPr lang="en-US" altLang="ja-JP" sz="2800" dirty="0"/>
+              <a:t>2</a:t>
+            </a:r>
+            <a:r>
+              <a:rPr lang="ja-JP" altLang="en-US" sz="2800"/>
+              <a:t>港積み</a:t>
+            </a:r>
+            <a:r>
+              <a:rPr lang="en-US" altLang="ja-JP" sz="2800" dirty="0"/>
+              <a:t>3</a:t>
+            </a:r>
+            <a:r>
+              <a:rPr lang="ja-JP" altLang="en-US" sz="2800"/>
+              <a:t>港揚げの注文数</a:t>
+            </a:r>
+            <a:r>
+              <a:rPr lang="en-US" altLang="ja-JP" sz="2800" dirty="0"/>
+              <a:t>109</a:t>
+            </a:r>
+            <a:r>
+              <a:rPr lang="ja-JP" altLang="en-US" sz="2800"/>
+              <a:t>個のものを使用</a:t>
             </a:r>
           </a:p>
           <a:p>
@@ -6082,7 +6112,7 @@
                 <a:latin typeface="MS Gothic" panose="020B0609070205080204" pitchFamily="49" charset="-128"/>
                 <a:ea typeface="MS Gothic" panose="020B0609070205080204" pitchFamily="49" charset="-128"/>
               </a:rPr>
-              <a:t>1-2</a:t>
+              <a:t>1</a:t>
             </a:r>
             <a:r>
               <a:rPr kumimoji="1" lang="ja-JP" altLang="en-US" sz="3200">
@@ -7241,7 +7271,7 @@
         <p:spPr>
           <a:xfrm>
             <a:off x="1094282" y="717761"/>
-            <a:ext cx="9417963" cy="584775"/>
+            <a:ext cx="9007594" cy="584775"/>
           </a:xfrm>
           <a:prstGeom prst="rect">
             <a:avLst/>
@@ -7295,7 +7325,7 @@
                 <a:latin typeface="MS Gothic" panose="020B0609070205080204" pitchFamily="49" charset="-128"/>
                 <a:ea typeface="MS Gothic" panose="020B0609070205080204" pitchFamily="49" charset="-128"/>
               </a:rPr>
-              <a:t>1-2</a:t>
+              <a:t>1</a:t>
             </a:r>
             <a:r>
               <a:rPr lang="ja-JP" altLang="en-US" sz="3200">
@@ -7390,7 +7420,7 @@
             </a:r>
             <a:r>
               <a:rPr lang="en-US" altLang="ja-JP" sz="2800" dirty="0"/>
-              <a:t>1.7</a:t>
+              <a:t>3.5</a:t>
             </a:r>
             <a:r>
               <a:rPr lang="ja-JP" altLang="en-US" sz="2800"/>
@@ -7679,7 +7709,7 @@
         <p:spPr>
           <a:xfrm>
             <a:off x="1094282" y="717761"/>
-            <a:ext cx="3262432" cy="584775"/>
+            <a:ext cx="3877985" cy="584775"/>
           </a:xfrm>
           <a:prstGeom prst="rect">
             <a:avLst/>
@@ -7723,41 +7753,7 @@
                 <a:ea typeface="MS Gothic" panose="020B0609070205080204" pitchFamily="49" charset="-128"/>
                 <a:cs typeface="+mn-cs"/>
               </a:rPr>
-              <a:t>モデル</a:t>
-            </a:r>
-            <a:r>
-              <a:rPr kumimoji="1" lang="en-US" altLang="ja-JP" sz="3200" b="0" i="0" u="none" strike="noStrike" kern="1200" cap="none" spc="0" normalizeH="0" baseline="0" noProof="0" dirty="0">
-                <a:ln>
-                  <a:noFill/>
-                </a:ln>
-                <a:solidFill>
-                  <a:srgbClr val="002060"/>
-                </a:solidFill>
-                <a:effectLst/>
-                <a:uLnTx/>
-                <a:uFillTx/>
-                <a:latin typeface="MS Gothic" panose="020B0609070205080204" pitchFamily="49" charset="-128"/>
-                <a:ea typeface="MS Gothic" panose="020B0609070205080204" pitchFamily="49" charset="-128"/>
-                <a:cs typeface="+mn-cs"/>
-              </a:rPr>
-              <a:t>2</a:t>
-            </a:r>
-            <a:r>
-              <a:rPr kumimoji="1" lang="ja-JP" altLang="en-US" sz="3200" b="0" i="0" u="none" strike="noStrike" kern="1200" cap="none" spc="0" normalizeH="0" baseline="0" noProof="0">
-                <a:ln>
-                  <a:noFill/>
-                </a:ln>
-                <a:solidFill>
-                  <a:srgbClr val="002060"/>
-                </a:solidFill>
-                <a:effectLst/>
-                <a:uLnTx/>
-                <a:uFillTx/>
-                <a:latin typeface="MS Gothic" panose="020B0609070205080204" pitchFamily="49" charset="-128"/>
-                <a:ea typeface="MS Gothic" panose="020B0609070205080204" pitchFamily="49" charset="-128"/>
-                <a:cs typeface="+mn-cs"/>
-              </a:rPr>
-              <a:t>での比較</a:t>
+              <a:t>他のモデルでの比較</a:t>
             </a:r>
           </a:p>
         </p:txBody>
@@ -7777,7 +7773,7 @@
         <p:spPr>
           <a:xfrm>
             <a:off x="1094282" y="1843790"/>
-            <a:ext cx="9024079" cy="3054298"/>
+            <a:ext cx="9024079" cy="3700628"/>
           </a:xfrm>
           <a:prstGeom prst="rect">
             <a:avLst/>
@@ -7799,31 +7795,15 @@
             </a:pPr>
             <a:r>
               <a:rPr lang="ja-JP" altLang="en-US" sz="2800"/>
-              <a:t>同様にホールドに</a:t>
+              <a:t>積み地と揚げ地が同じ注文を</a:t>
             </a:r>
             <a:r>
               <a:rPr lang="en-US" altLang="ja-JP" sz="2800" dirty="0"/>
-              <a:t>3</a:t>
+              <a:t>1</a:t>
             </a:r>
             <a:r>
               <a:rPr lang="ja-JP" altLang="en-US" sz="2800"/>
-              <a:t>種類</a:t>
-            </a:r>
-            <a:r>
-              <a:rPr lang="en-US" altLang="ja-JP" sz="2800" dirty="0"/>
-              <a:t>(</a:t>
-            </a:r>
-            <a:r>
-              <a:rPr lang="ja-JP" altLang="en-US" sz="2800"/>
-              <a:t>低，中，高</a:t>
-            </a:r>
-            <a:r>
-              <a:rPr lang="en-US" altLang="ja-JP" sz="2800" dirty="0"/>
-              <a:t>)</a:t>
-            </a:r>
-            <a:r>
-              <a:rPr lang="ja-JP" altLang="en-US" sz="2800"/>
-              <a:t>の情報を付与して計算</a:t>
+              <a:t>つのブロックとして考えたモデルでも同様の比較を行った．</a:t>
             </a:r>
             <a:endParaRPr lang="en-US" altLang="ja-JP" sz="2800" dirty="0"/>
           </a:p>
@@ -7837,27 +7817,45 @@
             </a:pPr>
             <a:r>
               <a:rPr lang="ja-JP" altLang="en-US" sz="2800"/>
-              <a:t>扱う問題例は，総積載量 </a:t>
+              <a:t>同様にホールドに</a:t>
             </a:r>
             <a:r>
               <a:rPr lang="en-US" altLang="ja-JP" sz="2800" dirty="0"/>
-              <a:t>7500 </a:t>
-            </a:r>
-            <a:r>
-              <a:rPr lang="en" altLang="ja-JP" sz="2800" dirty="0"/>
-              <a:t>RT </a:t>
+              <a:t>3</a:t>
             </a:r>
             <a:r>
               <a:rPr lang="ja-JP" altLang="en-US" sz="2800"/>
-              <a:t>の </a:t>
+              <a:t>種類</a:t>
             </a:r>
             <a:r>
               <a:rPr lang="en-US" altLang="ja-JP" sz="2800" dirty="0"/>
-              <a:t>12 </a:t>
+              <a:t>(</a:t>
             </a:r>
             <a:r>
               <a:rPr lang="ja-JP" altLang="en-US" sz="2800"/>
-              <a:t>階構造の船を対象とした </a:t>
+              <a:t>低，中，高</a:t>
+            </a:r>
+            <a:r>
+              <a:rPr lang="en-US" altLang="ja-JP" sz="2800" dirty="0"/>
+              <a:t>)</a:t>
+            </a:r>
+            <a:r>
+              <a:rPr lang="ja-JP" altLang="en-US" sz="2800"/>
+              <a:t>の情報を付与して計算</a:t>
+            </a:r>
+            <a:endParaRPr lang="en-US" altLang="ja-JP" sz="2800" dirty="0"/>
+          </a:p>
+          <a:p>
+            <a:pPr marL="457200" indent="-457200">
+              <a:lnSpc>
+                <a:spcPct val="150000"/>
+              </a:lnSpc>
+              <a:buFont typeface="Arial" panose="020B0604020202020204" pitchFamily="34" charset="0"/>
+              <a:buChar char="•"/>
+            </a:pPr>
+            <a:r>
+              <a:rPr lang="ja-JP" altLang="en-US" sz="2800"/>
+              <a:t>扱う運搬船，ブッキングも同様</a:t>
             </a:r>
           </a:p>
           <a:p>
@@ -9101,19 +9099,12 @@
               <a:defRPr/>
             </a:pPr>
             <a:r>
-              <a:rPr kumimoji="1" lang="ja-JP" altLang="en-US" sz="3200" b="0" i="0" u="none" strike="noStrike" kern="1200" cap="none" spc="0" normalizeH="0" baseline="0" noProof="0">
-                <a:ln>
-                  <a:noFill/>
-                </a:ln>
+              <a:rPr lang="ja-JP" altLang="en-US" sz="3200">
                 <a:solidFill>
                   <a:srgbClr val="002060"/>
                 </a:solidFill>
-                <a:effectLst/>
-                <a:uLnTx/>
-                <a:uFillTx/>
                 <a:latin typeface="MS Gothic" panose="020B0609070205080204" pitchFamily="49" charset="-128"/>
                 <a:ea typeface="MS Gothic" panose="020B0609070205080204" pitchFamily="49" charset="-128"/>
-                <a:cs typeface="+mn-cs"/>
               </a:rPr>
               <a:t>モデル</a:t>
             </a:r>
@@ -9226,7 +9217,7 @@
             </a:r>
             <a:r>
               <a:rPr lang="en-US" altLang="ja-JP" sz="2800" dirty="0"/>
-              <a:t>1-2</a:t>
+              <a:t>1</a:t>
             </a:r>
             <a:r>
               <a:rPr lang="ja-JP" altLang="en-US" sz="2800"/>
@@ -9470,6 +9461,172 @@
               </a:rPr>
               <a:t>今後に向けて</a:t>
             </a:r>
+          </a:p>
+        </p:txBody>
+      </p:sp>
+      <p:sp>
+        <p:nvSpPr>
+          <p:cNvPr id="2" name="テキスト ボックス 1">
+            <a:extLst>
+              <a:ext uri="{FF2B5EF4-FFF2-40B4-BE49-F238E27FC236}">
+                <a16:creationId xmlns:a16="http://schemas.microsoft.com/office/drawing/2014/main" id="{50243F82-7147-6445-858A-C5944A424BC7}"/>
+              </a:ext>
+            </a:extLst>
+          </p:cNvPr>
+          <p:cNvSpPr txBox="1"/>
+          <p:nvPr/>
+        </p:nvSpPr>
+        <p:spPr>
+          <a:xfrm>
+            <a:off x="584616" y="1334125"/>
+            <a:ext cx="10358204" cy="523220"/>
+          </a:xfrm>
+          <a:prstGeom prst="rect">
+            <a:avLst/>
+          </a:prstGeom>
+          <a:noFill/>
+        </p:spPr>
+        <p:txBody>
+          <a:bodyPr wrap="square" rtlCol="0">
+            <a:spAutoFit/>
+          </a:bodyPr>
+          <a:lstStyle/>
+          <a:p>
+            <a:r>
+              <a:rPr kumimoji="1" lang="ja-JP" altLang="en-US" sz="2800"/>
+              <a:t>今後の検討項目</a:t>
+            </a:r>
+          </a:p>
+        </p:txBody>
+      </p:sp>
+      <p:sp>
+        <p:nvSpPr>
+          <p:cNvPr id="4" name="テキスト ボックス 3">
+            <a:extLst>
+              <a:ext uri="{FF2B5EF4-FFF2-40B4-BE49-F238E27FC236}">
+                <a16:creationId xmlns:a16="http://schemas.microsoft.com/office/drawing/2014/main" id="{00F2346D-D057-FE45-BCBC-22401F944ACE}"/>
+              </a:ext>
+            </a:extLst>
+          </p:cNvPr>
+          <p:cNvSpPr txBox="1"/>
+          <p:nvPr/>
+        </p:nvSpPr>
+        <p:spPr>
+          <a:xfrm>
+            <a:off x="588096" y="2156674"/>
+            <a:ext cx="9983450" cy="4616648"/>
+          </a:xfrm>
+          <a:prstGeom prst="rect">
+            <a:avLst/>
+          </a:prstGeom>
+          <a:noFill/>
+        </p:spPr>
+        <p:txBody>
+          <a:bodyPr wrap="square" rtlCol="0">
+            <a:spAutoFit/>
+          </a:bodyPr>
+          <a:lstStyle/>
+          <a:p>
+            <a:pPr marL="285750" indent="-285750">
+              <a:buFont typeface="Arial" panose="020B0604020202020204" pitchFamily="34" charset="0"/>
+              <a:buChar char="•"/>
+            </a:pPr>
+            <a:r>
+              <a:rPr kumimoji="1" lang="ja-JP" altLang="en-US" sz="2800"/>
+              <a:t>席割の評価方法の作成</a:t>
+            </a:r>
+            <a:r>
+              <a:rPr kumimoji="1" lang="en-US" altLang="ja-JP" sz="2800" dirty="0"/>
+              <a:t>(</a:t>
+            </a:r>
+            <a:r>
+              <a:rPr lang="en-US" altLang="ja-JP" sz="2800" dirty="0"/>
+              <a:t>6</a:t>
+            </a:r>
+            <a:r>
+              <a:rPr lang="ja-JP" altLang="en-US" sz="2800"/>
+              <a:t>月まで</a:t>
+            </a:r>
+            <a:r>
+              <a:rPr lang="en-US" altLang="ja-JP" sz="2800" dirty="0"/>
+              <a:t>)</a:t>
+            </a:r>
+          </a:p>
+          <a:p>
+            <a:pPr marL="742950" lvl="1" indent="-285750">
+              <a:buFont typeface="Arial" panose="020B0604020202020204" pitchFamily="34" charset="0"/>
+              <a:buChar char="•"/>
+            </a:pPr>
+            <a:r>
+              <a:rPr kumimoji="1" lang="ja-JP" altLang="en-US" sz="2400"/>
+              <a:t>いま現在はヒアリングの際にその場で席割結果を見てもらい評価をいただいている</a:t>
+            </a:r>
+            <a:endParaRPr kumimoji="1" lang="en-US" altLang="ja-JP" sz="2400" dirty="0"/>
+          </a:p>
+          <a:p>
+            <a:pPr marL="742950" lvl="1" indent="-285750">
+              <a:buFont typeface="Arial" panose="020B0604020202020204" pitchFamily="34" charset="0"/>
+              <a:buChar char="•"/>
+            </a:pPr>
+            <a:r>
+              <a:rPr lang="ja-JP" altLang="en-US" sz="2400"/>
+              <a:t>毎回ヒアリングで聞くのではなく，ある程度の指標を作っておきたい</a:t>
+            </a:r>
+            <a:endParaRPr lang="en-US" altLang="ja-JP" sz="2400" dirty="0"/>
+          </a:p>
+          <a:p>
+            <a:pPr marL="342900" indent="-342900">
+              <a:buFont typeface="Arial" panose="020B0604020202020204" pitchFamily="34" charset="0"/>
+              <a:buChar char="•"/>
+            </a:pPr>
+            <a:r>
+              <a:rPr lang="ja-JP" altLang="en-US" sz="2800"/>
+              <a:t>大規模な問題例にも対応できるモデルの作成</a:t>
+            </a:r>
+            <a:endParaRPr lang="en-US" altLang="ja-JP" sz="2800" dirty="0"/>
+          </a:p>
+          <a:p>
+            <a:pPr marL="800100" lvl="1" indent="-342900">
+              <a:buFont typeface="Arial" panose="020B0604020202020204" pitchFamily="34" charset="0"/>
+              <a:buChar char="•"/>
+            </a:pPr>
+            <a:r>
+              <a:rPr lang="ja-JP" altLang="en-US" sz="2400"/>
+              <a:t>現在までに作成したモデルの修正をするのか，新たなモデルを作成するのかを含めて検討</a:t>
+            </a:r>
+            <a:endParaRPr lang="en-US" altLang="ja-JP" sz="2400" dirty="0"/>
+          </a:p>
+          <a:p>
+            <a:pPr marL="342900" indent="-342900">
+              <a:buFont typeface="Arial" panose="020B0604020202020204" pitchFamily="34" charset="0"/>
+              <a:buChar char="•"/>
+            </a:pPr>
+            <a:r>
+              <a:rPr lang="ja-JP" altLang="en-US" sz="2800"/>
+              <a:t>リフタブルパネルに関しても並行して検討を行っていく．</a:t>
+            </a:r>
+            <a:endParaRPr lang="en-US" altLang="ja-JP" sz="2800" dirty="0"/>
+          </a:p>
+          <a:p>
+            <a:pPr marL="800100" lvl="1" indent="-342900">
+              <a:buFont typeface="Arial" panose="020B0604020202020204" pitchFamily="34" charset="0"/>
+              <a:buChar char="•"/>
+            </a:pPr>
+            <a:endParaRPr lang="en-US" altLang="ja-JP" sz="2400" dirty="0"/>
+          </a:p>
+          <a:p>
+            <a:pPr marL="3028950" lvl="6" indent="-285750">
+              <a:buFont typeface="Arial" panose="020B0604020202020204" pitchFamily="34" charset="0"/>
+              <a:buChar char="•"/>
+            </a:pPr>
+            <a:endParaRPr lang="en-US" altLang="ja-JP" sz="2400" dirty="0"/>
+          </a:p>
+          <a:p>
+            <a:pPr marL="742950" lvl="1" indent="-285750">
+              <a:buFont typeface="Arial" panose="020B0604020202020204" pitchFamily="34" charset="0"/>
+              <a:buChar char="•"/>
+            </a:pPr>
+            <a:endParaRPr lang="en-US" altLang="ja-JP" dirty="0"/>
           </a:p>
         </p:txBody>
       </p:sp>
